--- a/Conquistas/Conquistas.pptx
+++ b/Conquistas/Conquistas.pptx
@@ -11,6 +11,7 @@
     <p:sldId id="259" r:id="rId5"/>
     <p:sldId id="260" r:id="rId6"/>
     <p:sldId id="261" r:id="rId7"/>
+    <p:sldId id="262" r:id="rId8"/>
   </p:sldIdLst>
   <p:sldSz cx="12192000" cy="6858000"/>
   <p:notesSz cx="6858000" cy="9144000"/>
@@ -109,6 +110,11 @@
       </a:defRPr>
     </a:lvl9pPr>
   </p:defaultTextStyle>
+  <p:extLst>
+    <p:ext uri="{EFAFB233-063F-42B5-8137-9DF3F51BA10A}">
+      <p15:sldGuideLst xmlns:p15="http://schemas.microsoft.com/office/powerpoint/2012/main"/>
+    </p:ext>
+  </p:extLst>
 </p:presentation>
 </file>
 
@@ -4090,6 +4096,95 @@
 </p:sld>
 </file>
 
+<file path=ppt/slides/slide7.xml><?xml version="1.0" encoding="utf-8"?>
+<p:sld xmlns:a="http://schemas.openxmlformats.org/drawingml/2006/main" xmlns:r="http://schemas.openxmlformats.org/officeDocument/2006/relationships" xmlns:p="http://schemas.openxmlformats.org/presentationml/2006/main">
+  <p:cSld>
+    <p:spTree>
+      <p:nvGrpSpPr>
+        <p:cNvPr id="1" name=""/>
+        <p:cNvGrpSpPr/>
+        <p:nvPr/>
+      </p:nvGrpSpPr>
+      <p:grpSpPr>
+        <a:xfrm>
+          <a:off x="0" y="0"/>
+          <a:ext cx="0" cy="0"/>
+          <a:chOff x="0" y="0"/>
+          <a:chExt cx="0" cy="0"/>
+        </a:xfrm>
+      </p:grpSpPr>
+      <p:sp>
+        <p:nvSpPr>
+          <p:cNvPr id="2" name="Título 1">
+            <a:extLst>
+              <a:ext uri="{FF2B5EF4-FFF2-40B4-BE49-F238E27FC236}">
+                <a16:creationId xmlns:a16="http://schemas.microsoft.com/office/drawing/2014/main" id="{9D8139FF-43AD-4214-92BE-3D8445AF1AD3}"/>
+              </a:ext>
+            </a:extLst>
+          </p:cNvPr>
+          <p:cNvSpPr>
+            <a:spLocks noGrp="1"/>
+          </p:cNvSpPr>
+          <p:nvPr>
+            <p:ph type="title"/>
+          </p:nvPr>
+        </p:nvSpPr>
+        <p:spPr/>
+        <p:txBody>
+          <a:bodyPr>
+            <a:normAutofit/>
+          </a:bodyPr>
+          <a:lstStyle/>
+          <a:p>
+            <a:r>
+              <a:rPr lang="pt-BR" dirty="0"/>
+              <a:t>Criando seu Primeiro Repositório no GitHub Para Compartilhar Seu Progresso</a:t>
+            </a:r>
+          </a:p>
+        </p:txBody>
+      </p:sp>
+      <p:pic>
+        <p:nvPicPr>
+          <p:cNvPr id="5" name="Espaço Reservado para Conteúdo 4">
+            <a:extLst>
+              <a:ext uri="{FF2B5EF4-FFF2-40B4-BE49-F238E27FC236}">
+                <a16:creationId xmlns:a16="http://schemas.microsoft.com/office/drawing/2014/main" id="{3BAF2B18-507B-48C7-BB26-091E70EBB6C2}"/>
+              </a:ext>
+            </a:extLst>
+          </p:cNvPr>
+          <p:cNvPicPr>
+            <a:picLocks noGrp="1" noChangeAspect="1"/>
+          </p:cNvPicPr>
+          <p:nvPr>
+            <p:ph idx="1"/>
+          </p:nvPr>
+        </p:nvPicPr>
+        <p:blipFill>
+          <a:blip r:embed="rId2"/>
+          <a:stretch>
+            <a:fillRect/>
+          </a:stretch>
+        </p:blipFill>
+        <p:spPr>
+          <a:xfrm>
+            <a:off x="3823807" y="2016125"/>
+            <a:ext cx="4858711" cy="3449638"/>
+          </a:xfrm>
+        </p:spPr>
+      </p:pic>
+    </p:spTree>
+    <p:extLst>
+      <p:ext uri="{BB962C8B-B14F-4D97-AF65-F5344CB8AC3E}">
+        <p14:creationId xmlns:p14="http://schemas.microsoft.com/office/powerpoint/2010/main" val="680901180"/>
+      </p:ext>
+    </p:extLst>
+  </p:cSld>
+  <p:clrMapOvr>
+    <a:masterClrMapping/>
+  </p:clrMapOvr>
+</p:sld>
+</file>
+
 <file path=ppt/theme/theme1.xml><?xml version="1.0" encoding="utf-8"?>
 <a:theme xmlns:a="http://schemas.openxmlformats.org/drawingml/2006/main" name="Galeria">
   <a:themeElements>

--- a/Conquistas/Conquistas.pptx
+++ b/Conquistas/Conquistas.pptx
@@ -12,6 +12,7 @@
     <p:sldId id="260" r:id="rId6"/>
     <p:sldId id="261" r:id="rId7"/>
     <p:sldId id="262" r:id="rId8"/>
+    <p:sldId id="263" r:id="rId9"/>
   </p:sldIdLst>
   <p:sldSz cx="12192000" cy="6858000"/>
   <p:notesSz cx="6858000" cy="9144000"/>
@@ -257,7 +258,7 @@
           <a:p>
             <a:fld id="{48A87A34-81AB-432B-8DAE-1953F412C126}" type="datetimeFigureOut">
               <a:rPr lang="en-US" dirty="0"/>
-              <a:t>12/5/2021</a:t>
+              <a:t>12/6/2021</a:t>
             </a:fld>
             <a:endParaRPr lang="en-US" dirty="0"/>
           </a:p>
@@ -463,7 +464,7 @@
           <a:p>
             <a:fld id="{48A87A34-81AB-432B-8DAE-1953F412C126}" type="datetimeFigureOut">
               <a:rPr lang="en-US" dirty="0"/>
-              <a:t>12/5/2021</a:t>
+              <a:t>12/6/2021</a:t>
             </a:fld>
             <a:endParaRPr lang="en-US" dirty="0"/>
           </a:p>
@@ -673,7 +674,7 @@
           <a:p>
             <a:fld id="{48A87A34-81AB-432B-8DAE-1953F412C126}" type="datetimeFigureOut">
               <a:rPr lang="en-US" dirty="0"/>
-              <a:t>12/5/2021</a:t>
+              <a:t>12/6/2021</a:t>
             </a:fld>
             <a:endParaRPr lang="en-US" dirty="0"/>
           </a:p>
@@ -869,7 +870,7 @@
           <a:p>
             <a:fld id="{48A87A34-81AB-432B-8DAE-1953F412C126}" type="datetimeFigureOut">
               <a:rPr lang="en-US" dirty="0"/>
-              <a:t>12/5/2021</a:t>
+              <a:t>12/6/2021</a:t>
             </a:fld>
             <a:endParaRPr lang="en-US" dirty="0"/>
           </a:p>
@@ -1143,7 +1144,7 @@
           <a:p>
             <a:fld id="{48A87A34-81AB-432B-8DAE-1953F412C126}" type="datetimeFigureOut">
               <a:rPr lang="en-US" dirty="0"/>
-              <a:t>12/5/2021</a:t>
+              <a:t>12/6/2021</a:t>
             </a:fld>
             <a:endParaRPr lang="en-US" dirty="0"/>
           </a:p>
@@ -1406,7 +1407,7 @@
           <a:p>
             <a:fld id="{48A87A34-81AB-432B-8DAE-1953F412C126}" type="datetimeFigureOut">
               <a:rPr lang="en-US" dirty="0"/>
-              <a:t>12/5/2021</a:t>
+              <a:t>12/6/2021</a:t>
             </a:fld>
             <a:endParaRPr lang="en-US" dirty="0"/>
           </a:p>
@@ -1817,7 +1818,7 @@
           <a:p>
             <a:fld id="{48A87A34-81AB-432B-8DAE-1953F412C126}" type="datetimeFigureOut">
               <a:rPr lang="en-US" dirty="0"/>
-              <a:t>12/5/2021</a:t>
+              <a:t>12/6/2021</a:t>
             </a:fld>
             <a:endParaRPr lang="en-US" dirty="0"/>
           </a:p>
@@ -1961,7 +1962,7 @@
           <a:p>
             <a:fld id="{48A87A34-81AB-432B-8DAE-1953F412C126}" type="datetimeFigureOut">
               <a:rPr lang="en-US" dirty="0"/>
-              <a:t>12/5/2021</a:t>
+              <a:t>12/6/2021</a:t>
             </a:fld>
             <a:endParaRPr lang="en-US" dirty="0"/>
           </a:p>
@@ -2082,7 +2083,7 @@
           <a:p>
             <a:fld id="{48A87A34-81AB-432B-8DAE-1953F412C126}" type="datetimeFigureOut">
               <a:rPr lang="en-US" dirty="0"/>
-              <a:t>12/5/2021</a:t>
+              <a:t>12/6/2021</a:t>
             </a:fld>
             <a:endParaRPr lang="en-US" dirty="0"/>
           </a:p>
@@ -2328,7 +2329,7 @@
           <a:p>
             <a:fld id="{48A87A34-81AB-432B-8DAE-1953F412C126}" type="datetimeFigureOut">
               <a:rPr lang="en-US" dirty="0"/>
-              <a:t>12/5/2021</a:t>
+              <a:t>12/6/2021</a:t>
             </a:fld>
             <a:endParaRPr lang="en-US" dirty="0"/>
           </a:p>
@@ -2769,7 +2770,7 @@
             <a:fld id="{48A87A34-81AB-432B-8DAE-1953F412C126}" type="datetimeFigureOut">
               <a:rPr lang="en-US" dirty="0"/>
               <a:pPr/>
-              <a:t>12/5/2021</a:t>
+              <a:t>12/6/2021</a:t>
             </a:fld>
             <a:endParaRPr lang="en-US" dirty="0"/>
           </a:p>
@@ -3092,7 +3093,7 @@
             <a:fld id="{48A87A34-81AB-432B-8DAE-1953F412C126}" type="datetimeFigureOut">
               <a:rPr lang="en-US" dirty="0"/>
               <a:pPr/>
-              <a:t>12/5/2021</a:t>
+              <a:t>12/6/2021</a:t>
             </a:fld>
             <a:endParaRPr lang="en-US" dirty="0"/>
           </a:p>
@@ -4185,6 +4186,93 @@
 </p:sld>
 </file>
 
+<file path=ppt/slides/slide8.xml><?xml version="1.0" encoding="utf-8"?>
+<p:sld xmlns:a="http://schemas.openxmlformats.org/drawingml/2006/main" xmlns:r="http://schemas.openxmlformats.org/officeDocument/2006/relationships" xmlns:p="http://schemas.openxmlformats.org/presentationml/2006/main">
+  <p:cSld>
+    <p:spTree>
+      <p:nvGrpSpPr>
+        <p:cNvPr id="1" name=""/>
+        <p:cNvGrpSpPr/>
+        <p:nvPr/>
+      </p:nvGrpSpPr>
+      <p:grpSpPr>
+        <a:xfrm>
+          <a:off x="0" y="0"/>
+          <a:ext cx="0" cy="0"/>
+          <a:chOff x="0" y="0"/>
+          <a:chExt cx="0" cy="0"/>
+        </a:xfrm>
+      </p:grpSpPr>
+      <p:sp>
+        <p:nvSpPr>
+          <p:cNvPr id="2" name="Título 1">
+            <a:extLst>
+              <a:ext uri="{FF2B5EF4-FFF2-40B4-BE49-F238E27FC236}">
+                <a16:creationId xmlns:a16="http://schemas.microsoft.com/office/drawing/2014/main" id="{9602FCFA-8EAA-4368-9126-B35B8944DCCB}"/>
+              </a:ext>
+            </a:extLst>
+          </p:cNvPr>
+          <p:cNvSpPr>
+            <a:spLocks noGrp="1"/>
+          </p:cNvSpPr>
+          <p:nvPr>
+            <p:ph type="title"/>
+          </p:nvPr>
+        </p:nvSpPr>
+        <p:spPr/>
+        <p:txBody>
+          <a:bodyPr/>
+          <a:lstStyle/>
+          <a:p>
+            <a:r>
+              <a:rPr lang="pt-BR" dirty="0"/>
+              <a:t>IDE Instalação e Configuração (Visual Studio)</a:t>
+            </a:r>
+          </a:p>
+        </p:txBody>
+      </p:sp>
+      <p:pic>
+        <p:nvPicPr>
+          <p:cNvPr id="5" name="Espaço Reservado para Conteúdo 4">
+            <a:extLst>
+              <a:ext uri="{FF2B5EF4-FFF2-40B4-BE49-F238E27FC236}">
+                <a16:creationId xmlns:a16="http://schemas.microsoft.com/office/drawing/2014/main" id="{2FE831E1-2578-4ED3-AFD9-40C6A9C2DD34}"/>
+              </a:ext>
+            </a:extLst>
+          </p:cNvPr>
+          <p:cNvPicPr>
+            <a:picLocks noGrp="1" noChangeAspect="1"/>
+          </p:cNvPicPr>
+          <p:nvPr>
+            <p:ph idx="1"/>
+          </p:nvPr>
+        </p:nvPicPr>
+        <p:blipFill>
+          <a:blip r:embed="rId2"/>
+          <a:stretch>
+            <a:fillRect/>
+          </a:stretch>
+        </p:blipFill>
+        <p:spPr>
+          <a:xfrm>
+            <a:off x="3822843" y="2016125"/>
+            <a:ext cx="4860639" cy="3449638"/>
+          </a:xfrm>
+        </p:spPr>
+      </p:pic>
+    </p:spTree>
+    <p:extLst>
+      <p:ext uri="{BB962C8B-B14F-4D97-AF65-F5344CB8AC3E}">
+        <p14:creationId xmlns:p14="http://schemas.microsoft.com/office/powerpoint/2010/main" val="2095762403"/>
+      </p:ext>
+    </p:extLst>
+  </p:cSld>
+  <p:clrMapOvr>
+    <a:masterClrMapping/>
+  </p:clrMapOvr>
+</p:sld>
+</file>
+
 <file path=ppt/theme/theme1.xml><?xml version="1.0" encoding="utf-8"?>
 <a:theme xmlns:a="http://schemas.openxmlformats.org/drawingml/2006/main" name="Galeria">
   <a:themeElements>

--- a/Conquistas/Conquistas.pptx
+++ b/Conquistas/Conquistas.pptx
@@ -13,6 +13,7 @@
     <p:sldId id="261" r:id="rId7"/>
     <p:sldId id="262" r:id="rId8"/>
     <p:sldId id="263" r:id="rId9"/>
+    <p:sldId id="264" r:id="rId10"/>
   </p:sldIdLst>
   <p:sldSz cx="12192000" cy="6858000"/>
   <p:notesSz cx="6858000" cy="9144000"/>
@@ -258,7 +259,7 @@
           <a:p>
             <a:fld id="{48A87A34-81AB-432B-8DAE-1953F412C126}" type="datetimeFigureOut">
               <a:rPr lang="en-US" dirty="0"/>
-              <a:t>12/6/2021</a:t>
+              <a:t>12/7/2021</a:t>
             </a:fld>
             <a:endParaRPr lang="en-US" dirty="0"/>
           </a:p>
@@ -464,7 +465,7 @@
           <a:p>
             <a:fld id="{48A87A34-81AB-432B-8DAE-1953F412C126}" type="datetimeFigureOut">
               <a:rPr lang="en-US" dirty="0"/>
-              <a:t>12/6/2021</a:t>
+              <a:t>12/7/2021</a:t>
             </a:fld>
             <a:endParaRPr lang="en-US" dirty="0"/>
           </a:p>
@@ -674,7 +675,7 @@
           <a:p>
             <a:fld id="{48A87A34-81AB-432B-8DAE-1953F412C126}" type="datetimeFigureOut">
               <a:rPr lang="en-US" dirty="0"/>
-              <a:t>12/6/2021</a:t>
+              <a:t>12/7/2021</a:t>
             </a:fld>
             <a:endParaRPr lang="en-US" dirty="0"/>
           </a:p>
@@ -870,7 +871,7 @@
           <a:p>
             <a:fld id="{48A87A34-81AB-432B-8DAE-1953F412C126}" type="datetimeFigureOut">
               <a:rPr lang="en-US" dirty="0"/>
-              <a:t>12/6/2021</a:t>
+              <a:t>12/7/2021</a:t>
             </a:fld>
             <a:endParaRPr lang="en-US" dirty="0"/>
           </a:p>
@@ -1144,7 +1145,7 @@
           <a:p>
             <a:fld id="{48A87A34-81AB-432B-8DAE-1953F412C126}" type="datetimeFigureOut">
               <a:rPr lang="en-US" dirty="0"/>
-              <a:t>12/6/2021</a:t>
+              <a:t>12/7/2021</a:t>
             </a:fld>
             <a:endParaRPr lang="en-US" dirty="0"/>
           </a:p>
@@ -1407,7 +1408,7 @@
           <a:p>
             <a:fld id="{48A87A34-81AB-432B-8DAE-1953F412C126}" type="datetimeFigureOut">
               <a:rPr lang="en-US" dirty="0"/>
-              <a:t>12/6/2021</a:t>
+              <a:t>12/7/2021</a:t>
             </a:fld>
             <a:endParaRPr lang="en-US" dirty="0"/>
           </a:p>
@@ -1818,7 +1819,7 @@
           <a:p>
             <a:fld id="{48A87A34-81AB-432B-8DAE-1953F412C126}" type="datetimeFigureOut">
               <a:rPr lang="en-US" dirty="0"/>
-              <a:t>12/6/2021</a:t>
+              <a:t>12/7/2021</a:t>
             </a:fld>
             <a:endParaRPr lang="en-US" dirty="0"/>
           </a:p>
@@ -1962,7 +1963,7 @@
           <a:p>
             <a:fld id="{48A87A34-81AB-432B-8DAE-1953F412C126}" type="datetimeFigureOut">
               <a:rPr lang="en-US" dirty="0"/>
-              <a:t>12/6/2021</a:t>
+              <a:t>12/7/2021</a:t>
             </a:fld>
             <a:endParaRPr lang="en-US" dirty="0"/>
           </a:p>
@@ -2083,7 +2084,7 @@
           <a:p>
             <a:fld id="{48A87A34-81AB-432B-8DAE-1953F412C126}" type="datetimeFigureOut">
               <a:rPr lang="en-US" dirty="0"/>
-              <a:t>12/6/2021</a:t>
+              <a:t>12/7/2021</a:t>
             </a:fld>
             <a:endParaRPr lang="en-US" dirty="0"/>
           </a:p>
@@ -2329,7 +2330,7 @@
           <a:p>
             <a:fld id="{48A87A34-81AB-432B-8DAE-1953F412C126}" type="datetimeFigureOut">
               <a:rPr lang="en-US" dirty="0"/>
-              <a:t>12/6/2021</a:t>
+              <a:t>12/7/2021</a:t>
             </a:fld>
             <a:endParaRPr lang="en-US" dirty="0"/>
           </a:p>
@@ -2770,7 +2771,7 @@
             <a:fld id="{48A87A34-81AB-432B-8DAE-1953F412C126}" type="datetimeFigureOut">
               <a:rPr lang="en-US" dirty="0"/>
               <a:pPr/>
-              <a:t>12/6/2021</a:t>
+              <a:t>12/7/2021</a:t>
             </a:fld>
             <a:endParaRPr lang="en-US" dirty="0"/>
           </a:p>
@@ -3093,7 +3094,7 @@
             <a:fld id="{48A87A34-81AB-432B-8DAE-1953F412C126}" type="datetimeFigureOut">
               <a:rPr lang="en-US" dirty="0"/>
               <a:pPr/>
-              <a:t>12/6/2021</a:t>
+              <a:t>12/7/2021</a:t>
             </a:fld>
             <a:endParaRPr lang="en-US" dirty="0"/>
           </a:p>
@@ -4273,6 +4274,93 @@
 </p:sld>
 </file>
 
+<file path=ppt/slides/slide9.xml><?xml version="1.0" encoding="utf-8"?>
+<p:sld xmlns:a="http://schemas.openxmlformats.org/drawingml/2006/main" xmlns:r="http://schemas.openxmlformats.org/officeDocument/2006/relationships" xmlns:p="http://schemas.openxmlformats.org/presentationml/2006/main">
+  <p:cSld>
+    <p:spTree>
+      <p:nvGrpSpPr>
+        <p:cNvPr id="1" name=""/>
+        <p:cNvGrpSpPr/>
+        <p:nvPr/>
+      </p:nvGrpSpPr>
+      <p:grpSpPr>
+        <a:xfrm>
+          <a:off x="0" y="0"/>
+          <a:ext cx="0" cy="0"/>
+          <a:chOff x="0" y="0"/>
+          <a:chExt cx="0" cy="0"/>
+        </a:xfrm>
+      </p:grpSpPr>
+      <p:sp>
+        <p:nvSpPr>
+          <p:cNvPr id="2" name="Título 1">
+            <a:extLst>
+              <a:ext uri="{FF2B5EF4-FFF2-40B4-BE49-F238E27FC236}">
+                <a16:creationId xmlns:a16="http://schemas.microsoft.com/office/drawing/2014/main" id="{EC83B983-23FE-48EA-BB1B-8DB3D1CA0546}"/>
+              </a:ext>
+            </a:extLst>
+          </p:cNvPr>
+          <p:cNvSpPr>
+            <a:spLocks noGrp="1"/>
+          </p:cNvSpPr>
+          <p:nvPr>
+            <p:ph type="title"/>
+          </p:nvPr>
+        </p:nvSpPr>
+        <p:spPr/>
+        <p:txBody>
+          <a:bodyPr/>
+          <a:lstStyle/>
+          <a:p>
+            <a:r>
+              <a:rPr lang="pt-BR" dirty="0"/>
+              <a:t>Introdução ao C# e .NET-0995AD33</a:t>
+            </a:r>
+          </a:p>
+        </p:txBody>
+      </p:sp>
+      <p:pic>
+        <p:nvPicPr>
+          <p:cNvPr id="5" name="Espaço Reservado para Conteúdo 4">
+            <a:extLst>
+              <a:ext uri="{FF2B5EF4-FFF2-40B4-BE49-F238E27FC236}">
+                <a16:creationId xmlns:a16="http://schemas.microsoft.com/office/drawing/2014/main" id="{49335433-D92D-4DB7-876D-C7A5ACB6EBF2}"/>
+              </a:ext>
+            </a:extLst>
+          </p:cNvPr>
+          <p:cNvPicPr>
+            <a:picLocks noGrp="1" noChangeAspect="1"/>
+          </p:cNvPicPr>
+          <p:nvPr>
+            <p:ph idx="1"/>
+          </p:nvPr>
+        </p:nvPicPr>
+        <p:blipFill>
+          <a:blip r:embed="rId2"/>
+          <a:stretch>
+            <a:fillRect/>
+          </a:stretch>
+        </p:blipFill>
+        <p:spPr>
+          <a:xfrm>
+            <a:off x="3818541" y="2016125"/>
+            <a:ext cx="4869242" cy="3449638"/>
+          </a:xfrm>
+        </p:spPr>
+      </p:pic>
+    </p:spTree>
+    <p:extLst>
+      <p:ext uri="{BB962C8B-B14F-4D97-AF65-F5344CB8AC3E}">
+        <p14:creationId xmlns:p14="http://schemas.microsoft.com/office/powerpoint/2010/main" val="2287215293"/>
+      </p:ext>
+    </p:extLst>
+  </p:cSld>
+  <p:clrMapOvr>
+    <a:masterClrMapping/>
+  </p:clrMapOvr>
+</p:sld>
+</file>
+
 <file path=ppt/theme/theme1.xml><?xml version="1.0" encoding="utf-8"?>
 <a:theme xmlns:a="http://schemas.openxmlformats.org/drawingml/2006/main" name="Galeria">
   <a:themeElements>

--- a/Conquistas/Conquistas.pptx
+++ b/Conquistas/Conquistas.pptx
@@ -14,6 +14,7 @@
     <p:sldId id="262" r:id="rId8"/>
     <p:sldId id="263" r:id="rId9"/>
     <p:sldId id="264" r:id="rId10"/>
+    <p:sldId id="265" r:id="rId11"/>
   </p:sldIdLst>
   <p:sldSz cx="12192000" cy="6858000"/>
   <p:notesSz cx="6858000" cy="9144000"/>
@@ -259,7 +260,7 @@
           <a:p>
             <a:fld id="{48A87A34-81AB-432B-8DAE-1953F412C126}" type="datetimeFigureOut">
               <a:rPr lang="en-US" dirty="0"/>
-              <a:t>12/7/2021</a:t>
+              <a:t>12/12/2021</a:t>
             </a:fld>
             <a:endParaRPr lang="en-US" dirty="0"/>
           </a:p>
@@ -465,7 +466,7 @@
           <a:p>
             <a:fld id="{48A87A34-81AB-432B-8DAE-1953F412C126}" type="datetimeFigureOut">
               <a:rPr lang="en-US" dirty="0"/>
-              <a:t>12/7/2021</a:t>
+              <a:t>12/12/2021</a:t>
             </a:fld>
             <a:endParaRPr lang="en-US" dirty="0"/>
           </a:p>
@@ -675,7 +676,7 @@
           <a:p>
             <a:fld id="{48A87A34-81AB-432B-8DAE-1953F412C126}" type="datetimeFigureOut">
               <a:rPr lang="en-US" dirty="0"/>
-              <a:t>12/7/2021</a:t>
+              <a:t>12/12/2021</a:t>
             </a:fld>
             <a:endParaRPr lang="en-US" dirty="0"/>
           </a:p>
@@ -871,7 +872,7 @@
           <a:p>
             <a:fld id="{48A87A34-81AB-432B-8DAE-1953F412C126}" type="datetimeFigureOut">
               <a:rPr lang="en-US" dirty="0"/>
-              <a:t>12/7/2021</a:t>
+              <a:t>12/12/2021</a:t>
             </a:fld>
             <a:endParaRPr lang="en-US" dirty="0"/>
           </a:p>
@@ -1145,7 +1146,7 @@
           <a:p>
             <a:fld id="{48A87A34-81AB-432B-8DAE-1953F412C126}" type="datetimeFigureOut">
               <a:rPr lang="en-US" dirty="0"/>
-              <a:t>12/7/2021</a:t>
+              <a:t>12/12/2021</a:t>
             </a:fld>
             <a:endParaRPr lang="en-US" dirty="0"/>
           </a:p>
@@ -1408,7 +1409,7 @@
           <a:p>
             <a:fld id="{48A87A34-81AB-432B-8DAE-1953F412C126}" type="datetimeFigureOut">
               <a:rPr lang="en-US" dirty="0"/>
-              <a:t>12/7/2021</a:t>
+              <a:t>12/12/2021</a:t>
             </a:fld>
             <a:endParaRPr lang="en-US" dirty="0"/>
           </a:p>
@@ -1819,7 +1820,7 @@
           <a:p>
             <a:fld id="{48A87A34-81AB-432B-8DAE-1953F412C126}" type="datetimeFigureOut">
               <a:rPr lang="en-US" dirty="0"/>
-              <a:t>12/7/2021</a:t>
+              <a:t>12/12/2021</a:t>
             </a:fld>
             <a:endParaRPr lang="en-US" dirty="0"/>
           </a:p>
@@ -1963,7 +1964,7 @@
           <a:p>
             <a:fld id="{48A87A34-81AB-432B-8DAE-1953F412C126}" type="datetimeFigureOut">
               <a:rPr lang="en-US" dirty="0"/>
-              <a:t>12/7/2021</a:t>
+              <a:t>12/12/2021</a:t>
             </a:fld>
             <a:endParaRPr lang="en-US" dirty="0"/>
           </a:p>
@@ -2084,7 +2085,7 @@
           <a:p>
             <a:fld id="{48A87A34-81AB-432B-8DAE-1953F412C126}" type="datetimeFigureOut">
               <a:rPr lang="en-US" dirty="0"/>
-              <a:t>12/7/2021</a:t>
+              <a:t>12/12/2021</a:t>
             </a:fld>
             <a:endParaRPr lang="en-US" dirty="0"/>
           </a:p>
@@ -2330,7 +2331,7 @@
           <a:p>
             <a:fld id="{48A87A34-81AB-432B-8DAE-1953F412C126}" type="datetimeFigureOut">
               <a:rPr lang="en-US" dirty="0"/>
-              <a:t>12/7/2021</a:t>
+              <a:t>12/12/2021</a:t>
             </a:fld>
             <a:endParaRPr lang="en-US" dirty="0"/>
           </a:p>
@@ -2771,7 +2772,7 @@
             <a:fld id="{48A87A34-81AB-432B-8DAE-1953F412C126}" type="datetimeFigureOut">
               <a:rPr lang="en-US" dirty="0"/>
               <a:pPr/>
-              <a:t>12/7/2021</a:t>
+              <a:t>12/12/2021</a:t>
             </a:fld>
             <a:endParaRPr lang="en-US" dirty="0"/>
           </a:p>
@@ -3094,7 +3095,7 @@
             <a:fld id="{48A87A34-81AB-432B-8DAE-1953F412C126}" type="datetimeFigureOut">
               <a:rPr lang="en-US" dirty="0"/>
               <a:pPr/>
-              <a:t>12/7/2021</a:t>
+              <a:t>12/12/2021</a:t>
             </a:fld>
             <a:endParaRPr lang="en-US" dirty="0"/>
           </a:p>
@@ -3645,6 +3646,93 @@
 </p:sld>
 </file>
 
+<file path=ppt/slides/slide10.xml><?xml version="1.0" encoding="utf-8"?>
+<p:sld xmlns:a="http://schemas.openxmlformats.org/drawingml/2006/main" xmlns:r="http://schemas.openxmlformats.org/officeDocument/2006/relationships" xmlns:p="http://schemas.openxmlformats.org/presentationml/2006/main">
+  <p:cSld>
+    <p:spTree>
+      <p:nvGrpSpPr>
+        <p:cNvPr id="1" name=""/>
+        <p:cNvGrpSpPr/>
+        <p:nvPr/>
+      </p:nvGrpSpPr>
+      <p:grpSpPr>
+        <a:xfrm>
+          <a:off x="0" y="0"/>
+          <a:ext cx="0" cy="0"/>
+          <a:chOff x="0" y="0"/>
+          <a:chExt cx="0" cy="0"/>
+        </a:xfrm>
+      </p:grpSpPr>
+      <p:sp>
+        <p:nvSpPr>
+          <p:cNvPr id="2" name="Título 1">
+            <a:extLst>
+              <a:ext uri="{FF2B5EF4-FFF2-40B4-BE49-F238E27FC236}">
+                <a16:creationId xmlns:a16="http://schemas.microsoft.com/office/drawing/2014/main" id="{004C7117-DB14-4FA8-8935-65A64F9E73B5}"/>
+              </a:ext>
+            </a:extLst>
+          </p:cNvPr>
+          <p:cNvSpPr>
+            <a:spLocks noGrp="1"/>
+          </p:cNvSpPr>
+          <p:nvPr>
+            <p:ph type="title"/>
+          </p:nvPr>
+        </p:nvSpPr>
+        <p:spPr/>
+        <p:txBody>
+          <a:bodyPr/>
+          <a:lstStyle/>
+          <a:p>
+            <a:r>
+              <a:rPr lang="pt-BR" dirty="0"/>
+              <a:t>Primeiros passos com .NET-6AA236EF</a:t>
+            </a:r>
+          </a:p>
+        </p:txBody>
+      </p:sp>
+      <p:pic>
+        <p:nvPicPr>
+          <p:cNvPr id="5" name="Espaço Reservado para Conteúdo 4">
+            <a:extLst>
+              <a:ext uri="{FF2B5EF4-FFF2-40B4-BE49-F238E27FC236}">
+                <a16:creationId xmlns:a16="http://schemas.microsoft.com/office/drawing/2014/main" id="{886F01EF-8DC4-42BC-938B-1E7FF2696C46}"/>
+              </a:ext>
+            </a:extLst>
+          </p:cNvPr>
+          <p:cNvPicPr>
+            <a:picLocks noGrp="1" noChangeAspect="1"/>
+          </p:cNvPicPr>
+          <p:nvPr>
+            <p:ph idx="1"/>
+          </p:nvPr>
+        </p:nvPicPr>
+        <p:blipFill>
+          <a:blip r:embed="rId2"/>
+          <a:stretch>
+            <a:fillRect/>
+          </a:stretch>
+        </p:blipFill>
+        <p:spPr>
+          <a:xfrm>
+            <a:off x="3817151" y="2016125"/>
+            <a:ext cx="4872022" cy="3449638"/>
+          </a:xfrm>
+        </p:spPr>
+      </p:pic>
+    </p:spTree>
+    <p:extLst>
+      <p:ext uri="{BB962C8B-B14F-4D97-AF65-F5344CB8AC3E}">
+        <p14:creationId xmlns:p14="http://schemas.microsoft.com/office/powerpoint/2010/main" val="2143199143"/>
+      </p:ext>
+    </p:extLst>
+  </p:cSld>
+  <p:clrMapOvr>
+    <a:masterClrMapping/>
+  </p:clrMapOvr>
+</p:sld>
+</file>
+
 <file path=ppt/slides/slide2.xml><?xml version="1.0" encoding="utf-8"?>
 <p:sld xmlns:a="http://schemas.openxmlformats.org/drawingml/2006/main" xmlns:r="http://schemas.openxmlformats.org/officeDocument/2006/relationships" xmlns:p="http://schemas.openxmlformats.org/presentationml/2006/main">
   <p:cSld>

--- a/Conquistas/Conquistas.pptx
+++ b/Conquistas/Conquistas.pptx
@@ -15,6 +15,7 @@
     <p:sldId id="263" r:id="rId9"/>
     <p:sldId id="264" r:id="rId10"/>
     <p:sldId id="265" r:id="rId11"/>
+    <p:sldId id="266" r:id="rId12"/>
   </p:sldIdLst>
   <p:sldSz cx="12192000" cy="6858000"/>
   <p:notesSz cx="6858000" cy="9144000"/>
@@ -260,7 +261,7 @@
           <a:p>
             <a:fld id="{48A87A34-81AB-432B-8DAE-1953F412C126}" type="datetimeFigureOut">
               <a:rPr lang="en-US" dirty="0"/>
-              <a:t>12/12/2021</a:t>
+              <a:t>12/27/2021</a:t>
             </a:fld>
             <a:endParaRPr lang="en-US" dirty="0"/>
           </a:p>
@@ -466,7 +467,7 @@
           <a:p>
             <a:fld id="{48A87A34-81AB-432B-8DAE-1953F412C126}" type="datetimeFigureOut">
               <a:rPr lang="en-US" dirty="0"/>
-              <a:t>12/12/2021</a:t>
+              <a:t>12/27/2021</a:t>
             </a:fld>
             <a:endParaRPr lang="en-US" dirty="0"/>
           </a:p>
@@ -676,7 +677,7 @@
           <a:p>
             <a:fld id="{48A87A34-81AB-432B-8DAE-1953F412C126}" type="datetimeFigureOut">
               <a:rPr lang="en-US" dirty="0"/>
-              <a:t>12/12/2021</a:t>
+              <a:t>12/27/2021</a:t>
             </a:fld>
             <a:endParaRPr lang="en-US" dirty="0"/>
           </a:p>
@@ -872,7 +873,7 @@
           <a:p>
             <a:fld id="{48A87A34-81AB-432B-8DAE-1953F412C126}" type="datetimeFigureOut">
               <a:rPr lang="en-US" dirty="0"/>
-              <a:t>12/12/2021</a:t>
+              <a:t>12/27/2021</a:t>
             </a:fld>
             <a:endParaRPr lang="en-US" dirty="0"/>
           </a:p>
@@ -1146,7 +1147,7 @@
           <a:p>
             <a:fld id="{48A87A34-81AB-432B-8DAE-1953F412C126}" type="datetimeFigureOut">
               <a:rPr lang="en-US" dirty="0"/>
-              <a:t>12/12/2021</a:t>
+              <a:t>12/27/2021</a:t>
             </a:fld>
             <a:endParaRPr lang="en-US" dirty="0"/>
           </a:p>
@@ -1409,7 +1410,7 @@
           <a:p>
             <a:fld id="{48A87A34-81AB-432B-8DAE-1953F412C126}" type="datetimeFigureOut">
               <a:rPr lang="en-US" dirty="0"/>
-              <a:t>12/12/2021</a:t>
+              <a:t>12/27/2021</a:t>
             </a:fld>
             <a:endParaRPr lang="en-US" dirty="0"/>
           </a:p>
@@ -1820,7 +1821,7 @@
           <a:p>
             <a:fld id="{48A87A34-81AB-432B-8DAE-1953F412C126}" type="datetimeFigureOut">
               <a:rPr lang="en-US" dirty="0"/>
-              <a:t>12/12/2021</a:t>
+              <a:t>12/27/2021</a:t>
             </a:fld>
             <a:endParaRPr lang="en-US" dirty="0"/>
           </a:p>
@@ -1964,7 +1965,7 @@
           <a:p>
             <a:fld id="{48A87A34-81AB-432B-8DAE-1953F412C126}" type="datetimeFigureOut">
               <a:rPr lang="en-US" dirty="0"/>
-              <a:t>12/12/2021</a:t>
+              <a:t>12/27/2021</a:t>
             </a:fld>
             <a:endParaRPr lang="en-US" dirty="0"/>
           </a:p>
@@ -2085,7 +2086,7 @@
           <a:p>
             <a:fld id="{48A87A34-81AB-432B-8DAE-1953F412C126}" type="datetimeFigureOut">
               <a:rPr lang="en-US" dirty="0"/>
-              <a:t>12/12/2021</a:t>
+              <a:t>12/27/2021</a:t>
             </a:fld>
             <a:endParaRPr lang="en-US" dirty="0"/>
           </a:p>
@@ -2331,7 +2332,7 @@
           <a:p>
             <a:fld id="{48A87A34-81AB-432B-8DAE-1953F412C126}" type="datetimeFigureOut">
               <a:rPr lang="en-US" dirty="0"/>
-              <a:t>12/12/2021</a:t>
+              <a:t>12/27/2021</a:t>
             </a:fld>
             <a:endParaRPr lang="en-US" dirty="0"/>
           </a:p>
@@ -2772,7 +2773,7 @@
             <a:fld id="{48A87A34-81AB-432B-8DAE-1953F412C126}" type="datetimeFigureOut">
               <a:rPr lang="en-US" dirty="0"/>
               <a:pPr/>
-              <a:t>12/12/2021</a:t>
+              <a:t>12/27/2021</a:t>
             </a:fld>
             <a:endParaRPr lang="en-US" dirty="0"/>
           </a:p>
@@ -3095,7 +3096,7 @@
             <a:fld id="{48A87A34-81AB-432B-8DAE-1953F412C126}" type="datetimeFigureOut">
               <a:rPr lang="en-US" dirty="0"/>
               <a:pPr/>
-              <a:t>12/12/2021</a:t>
+              <a:t>12/27/2021</a:t>
             </a:fld>
             <a:endParaRPr lang="en-US" dirty="0"/>
           </a:p>
@@ -3733,6 +3734,93 @@
 </p:sld>
 </file>
 
+<file path=ppt/slides/slide11.xml><?xml version="1.0" encoding="utf-8"?>
+<p:sld xmlns:a="http://schemas.openxmlformats.org/drawingml/2006/main" xmlns:r="http://schemas.openxmlformats.org/officeDocument/2006/relationships" xmlns:p="http://schemas.openxmlformats.org/presentationml/2006/main">
+  <p:cSld>
+    <p:spTree>
+      <p:nvGrpSpPr>
+        <p:cNvPr id="1" name=""/>
+        <p:cNvGrpSpPr/>
+        <p:nvPr/>
+      </p:nvGrpSpPr>
+      <p:grpSpPr>
+        <a:xfrm>
+          <a:off x="0" y="0"/>
+          <a:ext cx="0" cy="0"/>
+          <a:chOff x="0" y="0"/>
+          <a:chExt cx="0" cy="0"/>
+        </a:xfrm>
+      </p:grpSpPr>
+      <p:sp>
+        <p:nvSpPr>
+          <p:cNvPr id="2" name="Título 1">
+            <a:extLst>
+              <a:ext uri="{FF2B5EF4-FFF2-40B4-BE49-F238E27FC236}">
+                <a16:creationId xmlns:a16="http://schemas.microsoft.com/office/drawing/2014/main" id="{208E16BE-B881-4923-AE61-94D5CEA76680}"/>
+              </a:ext>
+            </a:extLst>
+          </p:cNvPr>
+          <p:cNvSpPr>
+            <a:spLocks noGrp="1"/>
+          </p:cNvSpPr>
+          <p:nvPr>
+            <p:ph type="title"/>
+          </p:nvPr>
+        </p:nvSpPr>
+        <p:spPr/>
+        <p:txBody>
+          <a:bodyPr/>
+          <a:lstStyle/>
+          <a:p>
+            <a:r>
+              <a:rPr lang="pt-BR" dirty="0"/>
+              <a:t>Programando com Orientação a Objeto com C#</a:t>
+            </a:r>
+          </a:p>
+        </p:txBody>
+      </p:sp>
+      <p:pic>
+        <p:nvPicPr>
+          <p:cNvPr id="9" name="Espaço Reservado para Conteúdo 8">
+            <a:extLst>
+              <a:ext uri="{FF2B5EF4-FFF2-40B4-BE49-F238E27FC236}">
+                <a16:creationId xmlns:a16="http://schemas.microsoft.com/office/drawing/2014/main" id="{0D20B898-6A49-4FA3-BB6B-7473B3E0E781}"/>
+              </a:ext>
+            </a:extLst>
+          </p:cNvPr>
+          <p:cNvPicPr>
+            <a:picLocks noGrp="1" noChangeAspect="1"/>
+          </p:cNvPicPr>
+          <p:nvPr>
+            <p:ph idx="1"/>
+          </p:nvPr>
+        </p:nvPicPr>
+        <p:blipFill>
+          <a:blip r:embed="rId2"/>
+          <a:stretch>
+            <a:fillRect/>
+          </a:stretch>
+        </p:blipFill>
+        <p:spPr>
+          <a:xfrm rot="5400000">
+            <a:off x="4527550" y="1291029"/>
+            <a:ext cx="3449638" cy="4901416"/>
+          </a:xfrm>
+        </p:spPr>
+      </p:pic>
+    </p:spTree>
+    <p:extLst>
+      <p:ext uri="{BB962C8B-B14F-4D97-AF65-F5344CB8AC3E}">
+        <p14:creationId xmlns:p14="http://schemas.microsoft.com/office/powerpoint/2010/main" val="3302445024"/>
+      </p:ext>
+    </p:extLst>
+  </p:cSld>
+  <p:clrMapOvr>
+    <a:masterClrMapping/>
+  </p:clrMapOvr>
+</p:sld>
+</file>
+
 <file path=ppt/slides/slide2.xml><?xml version="1.0" encoding="utf-8"?>
 <p:sld xmlns:a="http://schemas.openxmlformats.org/drawingml/2006/main" xmlns:r="http://schemas.openxmlformats.org/officeDocument/2006/relationships" xmlns:p="http://schemas.openxmlformats.org/presentationml/2006/main">
   <p:cSld>

--- a/Conquistas/Conquistas.pptx
+++ b/Conquistas/Conquistas.pptx
@@ -16,6 +16,7 @@
     <p:sldId id="264" r:id="rId10"/>
     <p:sldId id="265" r:id="rId11"/>
     <p:sldId id="266" r:id="rId12"/>
+    <p:sldId id="267" r:id="rId13"/>
   </p:sldIdLst>
   <p:sldSz cx="12192000" cy="6858000"/>
   <p:notesSz cx="6858000" cy="9144000"/>
@@ -261,7 +262,7 @@
           <a:p>
             <a:fld id="{48A87A34-81AB-432B-8DAE-1953F412C126}" type="datetimeFigureOut">
               <a:rPr lang="en-US" dirty="0"/>
-              <a:t>12/27/2021</a:t>
+              <a:t>12/28/2021</a:t>
             </a:fld>
             <a:endParaRPr lang="en-US" dirty="0"/>
           </a:p>
@@ -467,7 +468,7 @@
           <a:p>
             <a:fld id="{48A87A34-81AB-432B-8DAE-1953F412C126}" type="datetimeFigureOut">
               <a:rPr lang="en-US" dirty="0"/>
-              <a:t>12/27/2021</a:t>
+              <a:t>12/28/2021</a:t>
             </a:fld>
             <a:endParaRPr lang="en-US" dirty="0"/>
           </a:p>
@@ -677,7 +678,7 @@
           <a:p>
             <a:fld id="{48A87A34-81AB-432B-8DAE-1953F412C126}" type="datetimeFigureOut">
               <a:rPr lang="en-US" dirty="0"/>
-              <a:t>12/27/2021</a:t>
+              <a:t>12/28/2021</a:t>
             </a:fld>
             <a:endParaRPr lang="en-US" dirty="0"/>
           </a:p>
@@ -873,7 +874,7 @@
           <a:p>
             <a:fld id="{48A87A34-81AB-432B-8DAE-1953F412C126}" type="datetimeFigureOut">
               <a:rPr lang="en-US" dirty="0"/>
-              <a:t>12/27/2021</a:t>
+              <a:t>12/28/2021</a:t>
             </a:fld>
             <a:endParaRPr lang="en-US" dirty="0"/>
           </a:p>
@@ -1147,7 +1148,7 @@
           <a:p>
             <a:fld id="{48A87A34-81AB-432B-8DAE-1953F412C126}" type="datetimeFigureOut">
               <a:rPr lang="en-US" dirty="0"/>
-              <a:t>12/27/2021</a:t>
+              <a:t>12/28/2021</a:t>
             </a:fld>
             <a:endParaRPr lang="en-US" dirty="0"/>
           </a:p>
@@ -1410,7 +1411,7 @@
           <a:p>
             <a:fld id="{48A87A34-81AB-432B-8DAE-1953F412C126}" type="datetimeFigureOut">
               <a:rPr lang="en-US" dirty="0"/>
-              <a:t>12/27/2021</a:t>
+              <a:t>12/28/2021</a:t>
             </a:fld>
             <a:endParaRPr lang="en-US" dirty="0"/>
           </a:p>
@@ -1821,7 +1822,7 @@
           <a:p>
             <a:fld id="{48A87A34-81AB-432B-8DAE-1953F412C126}" type="datetimeFigureOut">
               <a:rPr lang="en-US" dirty="0"/>
-              <a:t>12/27/2021</a:t>
+              <a:t>12/28/2021</a:t>
             </a:fld>
             <a:endParaRPr lang="en-US" dirty="0"/>
           </a:p>
@@ -1965,7 +1966,7 @@
           <a:p>
             <a:fld id="{48A87A34-81AB-432B-8DAE-1953F412C126}" type="datetimeFigureOut">
               <a:rPr lang="en-US" dirty="0"/>
-              <a:t>12/27/2021</a:t>
+              <a:t>12/28/2021</a:t>
             </a:fld>
             <a:endParaRPr lang="en-US" dirty="0"/>
           </a:p>
@@ -2086,7 +2087,7 @@
           <a:p>
             <a:fld id="{48A87A34-81AB-432B-8DAE-1953F412C126}" type="datetimeFigureOut">
               <a:rPr lang="en-US" dirty="0"/>
-              <a:t>12/27/2021</a:t>
+              <a:t>12/28/2021</a:t>
             </a:fld>
             <a:endParaRPr lang="en-US" dirty="0"/>
           </a:p>
@@ -2332,7 +2333,7 @@
           <a:p>
             <a:fld id="{48A87A34-81AB-432B-8DAE-1953F412C126}" type="datetimeFigureOut">
               <a:rPr lang="en-US" dirty="0"/>
-              <a:t>12/27/2021</a:t>
+              <a:t>12/28/2021</a:t>
             </a:fld>
             <a:endParaRPr lang="en-US" dirty="0"/>
           </a:p>
@@ -2773,7 +2774,7 @@
             <a:fld id="{48A87A34-81AB-432B-8DAE-1953F412C126}" type="datetimeFigureOut">
               <a:rPr lang="en-US" dirty="0"/>
               <a:pPr/>
-              <a:t>12/27/2021</a:t>
+              <a:t>12/28/2021</a:t>
             </a:fld>
             <a:endParaRPr lang="en-US" dirty="0"/>
           </a:p>
@@ -3096,7 +3097,7 @@
             <a:fld id="{48A87A34-81AB-432B-8DAE-1953F412C126}" type="datetimeFigureOut">
               <a:rPr lang="en-US" dirty="0"/>
               <a:pPr/>
-              <a:t>12/27/2021</a:t>
+              <a:t>12/28/2021</a:t>
             </a:fld>
             <a:endParaRPr lang="en-US" dirty="0"/>
           </a:p>
@@ -3821,6 +3822,101 @@
 </p:sld>
 </file>
 
+<file path=ppt/slides/slide12.xml><?xml version="1.0" encoding="utf-8"?>
+<p:sld xmlns:a="http://schemas.openxmlformats.org/drawingml/2006/main" xmlns:r="http://schemas.openxmlformats.org/officeDocument/2006/relationships" xmlns:p="http://schemas.openxmlformats.org/presentationml/2006/main">
+  <p:cSld>
+    <p:spTree>
+      <p:nvGrpSpPr>
+        <p:cNvPr id="1" name=""/>
+        <p:cNvGrpSpPr/>
+        <p:nvPr/>
+      </p:nvGrpSpPr>
+      <p:grpSpPr>
+        <a:xfrm>
+          <a:off x="0" y="0"/>
+          <a:ext cx="0" cy="0"/>
+          <a:chOff x="0" y="0"/>
+          <a:chExt cx="0" cy="0"/>
+        </a:xfrm>
+      </p:grpSpPr>
+      <p:sp>
+        <p:nvSpPr>
+          <p:cNvPr id="2" name="Título 1">
+            <a:extLst>
+              <a:ext uri="{FF2B5EF4-FFF2-40B4-BE49-F238E27FC236}">
+                <a16:creationId xmlns:a16="http://schemas.microsoft.com/office/drawing/2014/main" id="{2DD387A6-35E1-4094-ADE6-15697AB8ED97}"/>
+              </a:ext>
+            </a:extLst>
+          </p:cNvPr>
+          <p:cNvSpPr>
+            <a:spLocks noGrp="1"/>
+          </p:cNvSpPr>
+          <p:nvPr>
+            <p:ph type="title"/>
+          </p:nvPr>
+        </p:nvSpPr>
+        <p:spPr/>
+        <p:txBody>
+          <a:bodyPr/>
+          <a:lstStyle/>
+          <a:p>
+            <a:r>
+              <a:rPr lang="pt-BR" dirty="0"/>
+              <a:t>Construtores, Propriedades, </a:t>
+            </a:r>
+            <a:r>
+              <a:rPr lang="pt-BR" dirty="0" err="1"/>
+              <a:t>Delegates</a:t>
+            </a:r>
+            <a:r>
+              <a:rPr lang="pt-BR" dirty="0"/>
+              <a:t> e Eventos em .NET-99BD129E</a:t>
+            </a:r>
+          </a:p>
+        </p:txBody>
+      </p:sp>
+      <p:pic>
+        <p:nvPicPr>
+          <p:cNvPr id="5" name="Espaço Reservado para Conteúdo 4">
+            <a:extLst>
+              <a:ext uri="{FF2B5EF4-FFF2-40B4-BE49-F238E27FC236}">
+                <a16:creationId xmlns:a16="http://schemas.microsoft.com/office/drawing/2014/main" id="{29DEDDE9-5FE5-41DD-A636-C486AAD80E3F}"/>
+              </a:ext>
+            </a:extLst>
+          </p:cNvPr>
+          <p:cNvPicPr>
+            <a:picLocks noGrp="1" noChangeAspect="1"/>
+          </p:cNvPicPr>
+          <p:nvPr>
+            <p:ph idx="1"/>
+          </p:nvPr>
+        </p:nvPicPr>
+        <p:blipFill>
+          <a:blip r:embed="rId2"/>
+          <a:stretch>
+            <a:fillRect/>
+          </a:stretch>
+        </p:blipFill>
+        <p:spPr>
+          <a:xfrm>
+            <a:off x="3821450" y="2016125"/>
+            <a:ext cx="4863424" cy="3449638"/>
+          </a:xfrm>
+        </p:spPr>
+      </p:pic>
+    </p:spTree>
+    <p:extLst>
+      <p:ext uri="{BB962C8B-B14F-4D97-AF65-F5344CB8AC3E}">
+        <p14:creationId xmlns:p14="http://schemas.microsoft.com/office/powerpoint/2010/main" val="3057528456"/>
+      </p:ext>
+    </p:extLst>
+  </p:cSld>
+  <p:clrMapOvr>
+    <a:masterClrMapping/>
+  </p:clrMapOvr>
+</p:sld>
+</file>
+
 <file path=ppt/slides/slide2.xml><?xml version="1.0" encoding="utf-8"?>
 <p:sld xmlns:a="http://schemas.openxmlformats.org/drawingml/2006/main" xmlns:r="http://schemas.openxmlformats.org/officeDocument/2006/relationships" xmlns:p="http://schemas.openxmlformats.org/presentationml/2006/main">
   <p:cSld>

--- a/Conquistas/Conquistas.pptx
+++ b/Conquistas/Conquistas.pptx
@@ -17,6 +17,8 @@
     <p:sldId id="265" r:id="rId11"/>
     <p:sldId id="266" r:id="rId12"/>
     <p:sldId id="267" r:id="rId13"/>
+    <p:sldId id="268" r:id="rId14"/>
+    <p:sldId id="269" r:id="rId15"/>
   </p:sldIdLst>
   <p:sldSz cx="12192000" cy="6858000"/>
   <p:notesSz cx="6858000" cy="9144000"/>
@@ -262,7 +264,7 @@
           <a:p>
             <a:fld id="{48A87A34-81AB-432B-8DAE-1953F412C126}" type="datetimeFigureOut">
               <a:rPr lang="en-US" dirty="0"/>
-              <a:t>12/28/2021</a:t>
+              <a:t>1/15/2022</a:t>
             </a:fld>
             <a:endParaRPr lang="en-US" dirty="0"/>
           </a:p>
@@ -468,7 +470,7 @@
           <a:p>
             <a:fld id="{48A87A34-81AB-432B-8DAE-1953F412C126}" type="datetimeFigureOut">
               <a:rPr lang="en-US" dirty="0"/>
-              <a:t>12/28/2021</a:t>
+              <a:t>1/15/2022</a:t>
             </a:fld>
             <a:endParaRPr lang="en-US" dirty="0"/>
           </a:p>
@@ -678,7 +680,7 @@
           <a:p>
             <a:fld id="{48A87A34-81AB-432B-8DAE-1953F412C126}" type="datetimeFigureOut">
               <a:rPr lang="en-US" dirty="0"/>
-              <a:t>12/28/2021</a:t>
+              <a:t>1/15/2022</a:t>
             </a:fld>
             <a:endParaRPr lang="en-US" dirty="0"/>
           </a:p>
@@ -874,7 +876,7 @@
           <a:p>
             <a:fld id="{48A87A34-81AB-432B-8DAE-1953F412C126}" type="datetimeFigureOut">
               <a:rPr lang="en-US" dirty="0"/>
-              <a:t>12/28/2021</a:t>
+              <a:t>1/15/2022</a:t>
             </a:fld>
             <a:endParaRPr lang="en-US" dirty="0"/>
           </a:p>
@@ -1148,7 +1150,7 @@
           <a:p>
             <a:fld id="{48A87A34-81AB-432B-8DAE-1953F412C126}" type="datetimeFigureOut">
               <a:rPr lang="en-US" dirty="0"/>
-              <a:t>12/28/2021</a:t>
+              <a:t>1/15/2022</a:t>
             </a:fld>
             <a:endParaRPr lang="en-US" dirty="0"/>
           </a:p>
@@ -1411,7 +1413,7 @@
           <a:p>
             <a:fld id="{48A87A34-81AB-432B-8DAE-1953F412C126}" type="datetimeFigureOut">
               <a:rPr lang="en-US" dirty="0"/>
-              <a:t>12/28/2021</a:t>
+              <a:t>1/15/2022</a:t>
             </a:fld>
             <a:endParaRPr lang="en-US" dirty="0"/>
           </a:p>
@@ -1822,7 +1824,7 @@
           <a:p>
             <a:fld id="{48A87A34-81AB-432B-8DAE-1953F412C126}" type="datetimeFigureOut">
               <a:rPr lang="en-US" dirty="0"/>
-              <a:t>12/28/2021</a:t>
+              <a:t>1/15/2022</a:t>
             </a:fld>
             <a:endParaRPr lang="en-US" dirty="0"/>
           </a:p>
@@ -1966,7 +1968,7 @@
           <a:p>
             <a:fld id="{48A87A34-81AB-432B-8DAE-1953F412C126}" type="datetimeFigureOut">
               <a:rPr lang="en-US" dirty="0"/>
-              <a:t>12/28/2021</a:t>
+              <a:t>1/15/2022</a:t>
             </a:fld>
             <a:endParaRPr lang="en-US" dirty="0"/>
           </a:p>
@@ -2087,7 +2089,7 @@
           <a:p>
             <a:fld id="{48A87A34-81AB-432B-8DAE-1953F412C126}" type="datetimeFigureOut">
               <a:rPr lang="en-US" dirty="0"/>
-              <a:t>12/28/2021</a:t>
+              <a:t>1/15/2022</a:t>
             </a:fld>
             <a:endParaRPr lang="en-US" dirty="0"/>
           </a:p>
@@ -2333,7 +2335,7 @@
           <a:p>
             <a:fld id="{48A87A34-81AB-432B-8DAE-1953F412C126}" type="datetimeFigureOut">
               <a:rPr lang="en-US" dirty="0"/>
-              <a:t>12/28/2021</a:t>
+              <a:t>1/15/2022</a:t>
             </a:fld>
             <a:endParaRPr lang="en-US" dirty="0"/>
           </a:p>
@@ -2774,7 +2776,7 @@
             <a:fld id="{48A87A34-81AB-432B-8DAE-1953F412C126}" type="datetimeFigureOut">
               <a:rPr lang="en-US" dirty="0"/>
               <a:pPr/>
-              <a:t>12/28/2021</a:t>
+              <a:t>1/15/2022</a:t>
             </a:fld>
             <a:endParaRPr lang="en-US" dirty="0"/>
           </a:p>
@@ -3097,7 +3099,7 @@
             <a:fld id="{48A87A34-81AB-432B-8DAE-1953F412C126}" type="datetimeFigureOut">
               <a:rPr lang="en-US" dirty="0"/>
               <a:pPr/>
-              <a:t>12/28/2021</a:t>
+              <a:t>1/15/2022</a:t>
             </a:fld>
             <a:endParaRPr lang="en-US" dirty="0"/>
           </a:p>
@@ -3917,6 +3919,180 @@
 </p:sld>
 </file>
 
+<file path=ppt/slides/slide13.xml><?xml version="1.0" encoding="utf-8"?>
+<p:sld xmlns:a="http://schemas.openxmlformats.org/drawingml/2006/main" xmlns:r="http://schemas.openxmlformats.org/officeDocument/2006/relationships" xmlns:p="http://schemas.openxmlformats.org/presentationml/2006/main">
+  <p:cSld>
+    <p:spTree>
+      <p:nvGrpSpPr>
+        <p:cNvPr id="1" name=""/>
+        <p:cNvGrpSpPr/>
+        <p:nvPr/>
+      </p:nvGrpSpPr>
+      <p:grpSpPr>
+        <a:xfrm>
+          <a:off x="0" y="0"/>
+          <a:ext cx="0" cy="0"/>
+          <a:chOff x="0" y="0"/>
+          <a:chExt cx="0" cy="0"/>
+        </a:xfrm>
+      </p:grpSpPr>
+      <p:sp>
+        <p:nvSpPr>
+          <p:cNvPr id="2" name="Título 1">
+            <a:extLst>
+              <a:ext uri="{FF2B5EF4-FFF2-40B4-BE49-F238E27FC236}">
+                <a16:creationId xmlns:a16="http://schemas.microsoft.com/office/drawing/2014/main" id="{2A7FF20D-5721-4BD5-B674-C37B73F26041}"/>
+              </a:ext>
+            </a:extLst>
+          </p:cNvPr>
+          <p:cNvSpPr>
+            <a:spLocks noGrp="1"/>
+          </p:cNvSpPr>
+          <p:nvPr>
+            <p:ph type="title"/>
+          </p:nvPr>
+        </p:nvSpPr>
+        <p:spPr/>
+        <p:txBody>
+          <a:bodyPr/>
+          <a:lstStyle/>
+          <a:p>
+            <a:r>
+              <a:rPr lang="pt-BR" dirty="0"/>
+              <a:t>Introdução ao Ecossistema .NET e Documentação</a:t>
+            </a:r>
+          </a:p>
+        </p:txBody>
+      </p:sp>
+      <p:pic>
+        <p:nvPicPr>
+          <p:cNvPr id="5" name="Espaço Reservado para Conteúdo 4">
+            <a:extLst>
+              <a:ext uri="{FF2B5EF4-FFF2-40B4-BE49-F238E27FC236}">
+                <a16:creationId xmlns:a16="http://schemas.microsoft.com/office/drawing/2014/main" id="{A87EFAD4-CD43-43A9-8A6B-9B5C4296FD5C}"/>
+              </a:ext>
+            </a:extLst>
+          </p:cNvPr>
+          <p:cNvPicPr>
+            <a:picLocks noGrp="1" noChangeAspect="1"/>
+          </p:cNvPicPr>
+          <p:nvPr>
+            <p:ph idx="1"/>
+          </p:nvPr>
+        </p:nvPicPr>
+        <p:blipFill>
+          <a:blip r:embed="rId2"/>
+          <a:stretch>
+            <a:fillRect/>
+          </a:stretch>
+        </p:blipFill>
+        <p:spPr>
+          <a:xfrm>
+            <a:off x="3821407" y="2016125"/>
+            <a:ext cx="4863511" cy="3449638"/>
+          </a:xfrm>
+        </p:spPr>
+      </p:pic>
+    </p:spTree>
+    <p:extLst>
+      <p:ext uri="{BB962C8B-B14F-4D97-AF65-F5344CB8AC3E}">
+        <p14:creationId xmlns:p14="http://schemas.microsoft.com/office/powerpoint/2010/main" val="74185598"/>
+      </p:ext>
+    </p:extLst>
+  </p:cSld>
+  <p:clrMapOvr>
+    <a:masterClrMapping/>
+  </p:clrMapOvr>
+</p:sld>
+</file>
+
+<file path=ppt/slides/slide14.xml><?xml version="1.0" encoding="utf-8"?>
+<p:sld xmlns:a="http://schemas.openxmlformats.org/drawingml/2006/main" xmlns:r="http://schemas.openxmlformats.org/officeDocument/2006/relationships" xmlns:p="http://schemas.openxmlformats.org/presentationml/2006/main">
+  <p:cSld>
+    <p:spTree>
+      <p:nvGrpSpPr>
+        <p:cNvPr id="1" name=""/>
+        <p:cNvGrpSpPr/>
+        <p:nvPr/>
+      </p:nvGrpSpPr>
+      <p:grpSpPr>
+        <a:xfrm>
+          <a:off x="0" y="0"/>
+          <a:ext cx="0" cy="0"/>
+          <a:chOff x="0" y="0"/>
+          <a:chExt cx="0" cy="0"/>
+        </a:xfrm>
+      </p:grpSpPr>
+      <p:sp>
+        <p:nvSpPr>
+          <p:cNvPr id="2" name="Título 1">
+            <a:extLst>
+              <a:ext uri="{FF2B5EF4-FFF2-40B4-BE49-F238E27FC236}">
+                <a16:creationId xmlns:a16="http://schemas.microsoft.com/office/drawing/2014/main" id="{287A2687-2E98-46B7-B03F-BE754B30AECE}"/>
+              </a:ext>
+            </a:extLst>
+          </p:cNvPr>
+          <p:cNvSpPr>
+            <a:spLocks noGrp="1"/>
+          </p:cNvSpPr>
+          <p:nvPr>
+            <p:ph type="title"/>
+          </p:nvPr>
+        </p:nvSpPr>
+        <p:spPr/>
+        <p:txBody>
+          <a:bodyPr/>
+          <a:lstStyle/>
+          <a:p>
+            <a:r>
+              <a:rPr lang="pt-BR" dirty="0"/>
+              <a:t>Primeiros Passos Para Começar a Programar-83332D2F</a:t>
+            </a:r>
+          </a:p>
+        </p:txBody>
+      </p:sp>
+      <p:pic>
+        <p:nvPicPr>
+          <p:cNvPr id="5" name="Espaço Reservado para Conteúdo 4">
+            <a:extLst>
+              <a:ext uri="{FF2B5EF4-FFF2-40B4-BE49-F238E27FC236}">
+                <a16:creationId xmlns:a16="http://schemas.microsoft.com/office/drawing/2014/main" id="{EED5E472-672B-4EF4-A3DD-B2A80F0AC290}"/>
+              </a:ext>
+            </a:extLst>
+          </p:cNvPr>
+          <p:cNvPicPr>
+            <a:picLocks noGrp="1" noChangeAspect="1"/>
+          </p:cNvPicPr>
+          <p:nvPr>
+            <p:ph idx="1"/>
+          </p:nvPr>
+        </p:nvPicPr>
+        <p:blipFill>
+          <a:blip r:embed="rId2"/>
+          <a:stretch>
+            <a:fillRect/>
+          </a:stretch>
+        </p:blipFill>
+        <p:spPr>
+          <a:xfrm>
+            <a:off x="3817709" y="2016125"/>
+            <a:ext cx="4870907" cy="3449638"/>
+          </a:xfrm>
+        </p:spPr>
+      </p:pic>
+    </p:spTree>
+    <p:extLst>
+      <p:ext uri="{BB962C8B-B14F-4D97-AF65-F5344CB8AC3E}">
+        <p14:creationId xmlns:p14="http://schemas.microsoft.com/office/powerpoint/2010/main" val="3968003421"/>
+      </p:ext>
+    </p:extLst>
+  </p:cSld>
+  <p:clrMapOvr>
+    <a:masterClrMapping/>
+  </p:clrMapOvr>
+</p:sld>
+</file>
+
 <file path=ppt/slides/slide2.xml><?xml version="1.0" encoding="utf-8"?>
 <p:sld xmlns:a="http://schemas.openxmlformats.org/drawingml/2006/main" xmlns:r="http://schemas.openxmlformats.org/officeDocument/2006/relationships" xmlns:p="http://schemas.openxmlformats.org/presentationml/2006/main">
   <p:cSld>

--- a/Conquistas/Conquistas.pptx
+++ b/Conquistas/Conquistas.pptx
@@ -19,6 +19,10 @@
     <p:sldId id="267" r:id="rId13"/>
     <p:sldId id="268" r:id="rId14"/>
     <p:sldId id="269" r:id="rId15"/>
+    <p:sldId id="270" r:id="rId16"/>
+    <p:sldId id="271" r:id="rId17"/>
+    <p:sldId id="272" r:id="rId18"/>
+    <p:sldId id="273" r:id="rId19"/>
   </p:sldIdLst>
   <p:sldSz cx="12192000" cy="6858000"/>
   <p:notesSz cx="6858000" cy="9144000"/>
@@ -264,7 +268,7 @@
           <a:p>
             <a:fld id="{48A87A34-81AB-432B-8DAE-1953F412C126}" type="datetimeFigureOut">
               <a:rPr lang="en-US" dirty="0"/>
-              <a:t>1/15/2022</a:t>
+              <a:t>1/21/2022</a:t>
             </a:fld>
             <a:endParaRPr lang="en-US" dirty="0"/>
           </a:p>
@@ -470,7 +474,7 @@
           <a:p>
             <a:fld id="{48A87A34-81AB-432B-8DAE-1953F412C126}" type="datetimeFigureOut">
               <a:rPr lang="en-US" dirty="0"/>
-              <a:t>1/15/2022</a:t>
+              <a:t>1/21/2022</a:t>
             </a:fld>
             <a:endParaRPr lang="en-US" dirty="0"/>
           </a:p>
@@ -680,7 +684,7 @@
           <a:p>
             <a:fld id="{48A87A34-81AB-432B-8DAE-1953F412C126}" type="datetimeFigureOut">
               <a:rPr lang="en-US" dirty="0"/>
-              <a:t>1/15/2022</a:t>
+              <a:t>1/21/2022</a:t>
             </a:fld>
             <a:endParaRPr lang="en-US" dirty="0"/>
           </a:p>
@@ -876,7 +880,7 @@
           <a:p>
             <a:fld id="{48A87A34-81AB-432B-8DAE-1953F412C126}" type="datetimeFigureOut">
               <a:rPr lang="en-US" dirty="0"/>
-              <a:t>1/15/2022</a:t>
+              <a:t>1/21/2022</a:t>
             </a:fld>
             <a:endParaRPr lang="en-US" dirty="0"/>
           </a:p>
@@ -1150,7 +1154,7 @@
           <a:p>
             <a:fld id="{48A87A34-81AB-432B-8DAE-1953F412C126}" type="datetimeFigureOut">
               <a:rPr lang="en-US" dirty="0"/>
-              <a:t>1/15/2022</a:t>
+              <a:t>1/21/2022</a:t>
             </a:fld>
             <a:endParaRPr lang="en-US" dirty="0"/>
           </a:p>
@@ -1413,7 +1417,7 @@
           <a:p>
             <a:fld id="{48A87A34-81AB-432B-8DAE-1953F412C126}" type="datetimeFigureOut">
               <a:rPr lang="en-US" dirty="0"/>
-              <a:t>1/15/2022</a:t>
+              <a:t>1/21/2022</a:t>
             </a:fld>
             <a:endParaRPr lang="en-US" dirty="0"/>
           </a:p>
@@ -1824,7 +1828,7 @@
           <a:p>
             <a:fld id="{48A87A34-81AB-432B-8DAE-1953F412C126}" type="datetimeFigureOut">
               <a:rPr lang="en-US" dirty="0"/>
-              <a:t>1/15/2022</a:t>
+              <a:t>1/21/2022</a:t>
             </a:fld>
             <a:endParaRPr lang="en-US" dirty="0"/>
           </a:p>
@@ -1968,7 +1972,7 @@
           <a:p>
             <a:fld id="{48A87A34-81AB-432B-8DAE-1953F412C126}" type="datetimeFigureOut">
               <a:rPr lang="en-US" dirty="0"/>
-              <a:t>1/15/2022</a:t>
+              <a:t>1/21/2022</a:t>
             </a:fld>
             <a:endParaRPr lang="en-US" dirty="0"/>
           </a:p>
@@ -2089,7 +2093,7 @@
           <a:p>
             <a:fld id="{48A87A34-81AB-432B-8DAE-1953F412C126}" type="datetimeFigureOut">
               <a:rPr lang="en-US" dirty="0"/>
-              <a:t>1/15/2022</a:t>
+              <a:t>1/21/2022</a:t>
             </a:fld>
             <a:endParaRPr lang="en-US" dirty="0"/>
           </a:p>
@@ -2335,7 +2339,7 @@
           <a:p>
             <a:fld id="{48A87A34-81AB-432B-8DAE-1953F412C126}" type="datetimeFigureOut">
               <a:rPr lang="en-US" dirty="0"/>
-              <a:t>1/15/2022</a:t>
+              <a:t>1/21/2022</a:t>
             </a:fld>
             <a:endParaRPr lang="en-US" dirty="0"/>
           </a:p>
@@ -2776,7 +2780,7 @@
             <a:fld id="{48A87A34-81AB-432B-8DAE-1953F412C126}" type="datetimeFigureOut">
               <a:rPr lang="en-US" dirty="0"/>
               <a:pPr/>
-              <a:t>1/15/2022</a:t>
+              <a:t>1/21/2022</a:t>
             </a:fld>
             <a:endParaRPr lang="en-US" dirty="0"/>
           </a:p>
@@ -3099,7 +3103,7 @@
             <a:fld id="{48A87A34-81AB-432B-8DAE-1953F412C126}" type="datetimeFigureOut">
               <a:rPr lang="en-US" dirty="0"/>
               <a:pPr/>
-              <a:t>1/15/2022</a:t>
+              <a:t>1/21/2022</a:t>
             </a:fld>
             <a:endParaRPr lang="en-US" dirty="0"/>
           </a:p>
@@ -4093,6 +4097,354 @@
 </p:sld>
 </file>
 
+<file path=ppt/slides/slide15.xml><?xml version="1.0" encoding="utf-8"?>
+<p:sld xmlns:a="http://schemas.openxmlformats.org/drawingml/2006/main" xmlns:r="http://schemas.openxmlformats.org/officeDocument/2006/relationships" xmlns:p="http://schemas.openxmlformats.org/presentationml/2006/main">
+  <p:cSld>
+    <p:spTree>
+      <p:nvGrpSpPr>
+        <p:cNvPr id="1" name=""/>
+        <p:cNvGrpSpPr/>
+        <p:nvPr/>
+      </p:nvGrpSpPr>
+      <p:grpSpPr>
+        <a:xfrm>
+          <a:off x="0" y="0"/>
+          <a:ext cx="0" cy="0"/>
+          <a:chOff x="0" y="0"/>
+          <a:chExt cx="0" cy="0"/>
+        </a:xfrm>
+      </p:grpSpPr>
+      <p:sp>
+        <p:nvSpPr>
+          <p:cNvPr id="2" name="Título 1">
+            <a:extLst>
+              <a:ext uri="{FF2B5EF4-FFF2-40B4-BE49-F238E27FC236}">
+                <a16:creationId xmlns:a16="http://schemas.microsoft.com/office/drawing/2014/main" id="{4E11927D-44B2-4A19-A985-F6E086FE50A9}"/>
+              </a:ext>
+            </a:extLst>
+          </p:cNvPr>
+          <p:cNvSpPr>
+            <a:spLocks noGrp="1"/>
+          </p:cNvSpPr>
+          <p:nvPr>
+            <p:ph type="title"/>
+          </p:nvPr>
+        </p:nvSpPr>
+        <p:spPr/>
+        <p:txBody>
+          <a:bodyPr/>
+          <a:lstStyle/>
+          <a:p>
+            <a:r>
+              <a:rPr lang="pt-BR" dirty="0"/>
+              <a:t>19-Primeiros passos para desenvolvimento web-26B3855D-100741</a:t>
+            </a:r>
+          </a:p>
+        </p:txBody>
+      </p:sp>
+      <p:pic>
+        <p:nvPicPr>
+          <p:cNvPr id="5" name="Espaço Reservado para Conteúdo 4">
+            <a:extLst>
+              <a:ext uri="{FF2B5EF4-FFF2-40B4-BE49-F238E27FC236}">
+                <a16:creationId xmlns:a16="http://schemas.microsoft.com/office/drawing/2014/main" id="{D63BE8CA-2E4A-4381-8359-49FB7FCA3B67}"/>
+              </a:ext>
+            </a:extLst>
+          </p:cNvPr>
+          <p:cNvPicPr>
+            <a:picLocks noGrp="1" noChangeAspect="1"/>
+          </p:cNvPicPr>
+          <p:nvPr>
+            <p:ph idx="1"/>
+          </p:nvPr>
+        </p:nvPicPr>
+        <p:blipFill>
+          <a:blip r:embed="rId2"/>
+          <a:stretch>
+            <a:fillRect/>
+          </a:stretch>
+        </p:blipFill>
+        <p:spPr>
+          <a:xfrm>
+            <a:off x="3826163" y="2016125"/>
+            <a:ext cx="4853998" cy="3449638"/>
+          </a:xfrm>
+        </p:spPr>
+      </p:pic>
+    </p:spTree>
+    <p:extLst>
+      <p:ext uri="{BB962C8B-B14F-4D97-AF65-F5344CB8AC3E}">
+        <p14:creationId xmlns:p14="http://schemas.microsoft.com/office/powerpoint/2010/main" val="2176925338"/>
+      </p:ext>
+    </p:extLst>
+  </p:cSld>
+  <p:clrMapOvr>
+    <a:masterClrMapping/>
+  </p:clrMapOvr>
+</p:sld>
+</file>
+
+<file path=ppt/slides/slide16.xml><?xml version="1.0" encoding="utf-8"?>
+<p:sld xmlns:a="http://schemas.openxmlformats.org/drawingml/2006/main" xmlns:r="http://schemas.openxmlformats.org/officeDocument/2006/relationships" xmlns:p="http://schemas.openxmlformats.org/presentationml/2006/main">
+  <p:cSld>
+    <p:spTree>
+      <p:nvGrpSpPr>
+        <p:cNvPr id="1" name=""/>
+        <p:cNvGrpSpPr/>
+        <p:nvPr/>
+      </p:nvGrpSpPr>
+      <p:grpSpPr>
+        <a:xfrm>
+          <a:off x="0" y="0"/>
+          <a:ext cx="0" cy="0"/>
+          <a:chOff x="0" y="0"/>
+          <a:chExt cx="0" cy="0"/>
+        </a:xfrm>
+      </p:grpSpPr>
+      <p:sp>
+        <p:nvSpPr>
+          <p:cNvPr id="2" name="Título 1">
+            <a:extLst>
+              <a:ext uri="{FF2B5EF4-FFF2-40B4-BE49-F238E27FC236}">
+                <a16:creationId xmlns:a16="http://schemas.microsoft.com/office/drawing/2014/main" id="{538A3725-876A-4BD4-821B-095CDD5CDE96}"/>
+              </a:ext>
+            </a:extLst>
+          </p:cNvPr>
+          <p:cNvSpPr>
+            <a:spLocks noGrp="1"/>
+          </p:cNvSpPr>
+          <p:nvPr>
+            <p:ph type="title"/>
+          </p:nvPr>
+        </p:nvSpPr>
+        <p:spPr/>
+        <p:txBody>
+          <a:bodyPr/>
+          <a:lstStyle/>
+          <a:p>
+            <a:r>
+              <a:rPr lang="pt-BR" dirty="0"/>
+              <a:t>20-Trabalhando com Tipos de Referência e Valor em C#-ED0BB344</a:t>
+            </a:r>
+          </a:p>
+        </p:txBody>
+      </p:sp>
+      <p:pic>
+        <p:nvPicPr>
+          <p:cNvPr id="5" name="Espaço Reservado para Conteúdo 4">
+            <a:extLst>
+              <a:ext uri="{FF2B5EF4-FFF2-40B4-BE49-F238E27FC236}">
+                <a16:creationId xmlns:a16="http://schemas.microsoft.com/office/drawing/2014/main" id="{EC6AD6B4-AF0E-498A-8240-F5C4F604BFA7}"/>
+              </a:ext>
+            </a:extLst>
+          </p:cNvPr>
+          <p:cNvPicPr>
+            <a:picLocks noGrp="1" noChangeAspect="1"/>
+          </p:cNvPicPr>
+          <p:nvPr>
+            <p:ph idx="1"/>
+          </p:nvPr>
+        </p:nvPicPr>
+        <p:blipFill>
+          <a:blip r:embed="rId2"/>
+          <a:stretch>
+            <a:fillRect/>
+          </a:stretch>
+        </p:blipFill>
+        <p:spPr>
+          <a:xfrm>
+            <a:off x="3826163" y="2016125"/>
+            <a:ext cx="4853998" cy="3449638"/>
+          </a:xfrm>
+        </p:spPr>
+      </p:pic>
+    </p:spTree>
+    <p:extLst>
+      <p:ext uri="{BB962C8B-B14F-4D97-AF65-F5344CB8AC3E}">
+        <p14:creationId xmlns:p14="http://schemas.microsoft.com/office/powerpoint/2010/main" val="1377636509"/>
+      </p:ext>
+    </p:extLst>
+  </p:cSld>
+  <p:clrMapOvr>
+    <a:masterClrMapping/>
+  </p:clrMapOvr>
+</p:sld>
+</file>
+
+<file path=ppt/slides/slide17.xml><?xml version="1.0" encoding="utf-8"?>
+<p:sld xmlns:a="http://schemas.openxmlformats.org/drawingml/2006/main" xmlns:r="http://schemas.openxmlformats.org/officeDocument/2006/relationships" xmlns:p="http://schemas.openxmlformats.org/presentationml/2006/main">
+  <p:cSld>
+    <p:spTree>
+      <p:nvGrpSpPr>
+        <p:cNvPr id="1" name=""/>
+        <p:cNvGrpSpPr/>
+        <p:nvPr/>
+      </p:nvGrpSpPr>
+      <p:grpSpPr>
+        <a:xfrm>
+          <a:off x="0" y="0"/>
+          <a:ext cx="0" cy="0"/>
+          <a:chOff x="0" y="0"/>
+          <a:chExt cx="0" cy="0"/>
+        </a:xfrm>
+      </p:grpSpPr>
+      <p:sp>
+        <p:nvSpPr>
+          <p:cNvPr id="2" name="Título 1">
+            <a:extLst>
+              <a:ext uri="{FF2B5EF4-FFF2-40B4-BE49-F238E27FC236}">
+                <a16:creationId xmlns:a16="http://schemas.microsoft.com/office/drawing/2014/main" id="{34C73964-99A5-45CE-9532-280FE734540A}"/>
+              </a:ext>
+            </a:extLst>
+          </p:cNvPr>
+          <p:cNvSpPr>
+            <a:spLocks noGrp="1"/>
+          </p:cNvSpPr>
+          <p:nvPr>
+            <p:ph type="title"/>
+          </p:nvPr>
+        </p:nvSpPr>
+        <p:spPr/>
+        <p:txBody>
+          <a:bodyPr/>
+          <a:lstStyle/>
+          <a:p>
+            <a:r>
+              <a:rPr lang="pt-BR" dirty="0"/>
+              <a:t>21-Controlando o Fluxo de Execução-100037</a:t>
+            </a:r>
+          </a:p>
+        </p:txBody>
+      </p:sp>
+      <p:pic>
+        <p:nvPicPr>
+          <p:cNvPr id="5" name="Espaço Reservado para Conteúdo 4">
+            <a:extLst>
+              <a:ext uri="{FF2B5EF4-FFF2-40B4-BE49-F238E27FC236}">
+                <a16:creationId xmlns:a16="http://schemas.microsoft.com/office/drawing/2014/main" id="{8DAABC6E-22DB-42A9-9F84-AD71A77629E1}"/>
+              </a:ext>
+            </a:extLst>
+          </p:cNvPr>
+          <p:cNvPicPr>
+            <a:picLocks noGrp="1" noChangeAspect="1"/>
+          </p:cNvPicPr>
+          <p:nvPr>
+            <p:ph idx="1"/>
+          </p:nvPr>
+        </p:nvPicPr>
+        <p:blipFill>
+          <a:blip r:embed="rId2"/>
+          <a:stretch>
+            <a:fillRect/>
+          </a:stretch>
+        </p:blipFill>
+        <p:spPr>
+          <a:xfrm>
+            <a:off x="3822843" y="2016125"/>
+            <a:ext cx="4860639" cy="3449638"/>
+          </a:xfrm>
+        </p:spPr>
+      </p:pic>
+    </p:spTree>
+    <p:extLst>
+      <p:ext uri="{BB962C8B-B14F-4D97-AF65-F5344CB8AC3E}">
+        <p14:creationId xmlns:p14="http://schemas.microsoft.com/office/powerpoint/2010/main" val="2370565584"/>
+      </p:ext>
+    </p:extLst>
+  </p:cSld>
+  <p:clrMapOvr>
+    <a:masterClrMapping/>
+  </p:clrMapOvr>
+</p:sld>
+</file>
+
+<file path=ppt/slides/slide18.xml><?xml version="1.0" encoding="utf-8"?>
+<p:sld xmlns:a="http://schemas.openxmlformats.org/drawingml/2006/main" xmlns:r="http://schemas.openxmlformats.org/officeDocument/2006/relationships" xmlns:p="http://schemas.openxmlformats.org/presentationml/2006/main">
+  <p:cSld>
+    <p:spTree>
+      <p:nvGrpSpPr>
+        <p:cNvPr id="1" name=""/>
+        <p:cNvGrpSpPr/>
+        <p:nvPr/>
+      </p:nvGrpSpPr>
+      <p:grpSpPr>
+        <a:xfrm>
+          <a:off x="0" y="0"/>
+          <a:ext cx="0" cy="0"/>
+          <a:chOff x="0" y="0"/>
+          <a:chExt cx="0" cy="0"/>
+        </a:xfrm>
+      </p:grpSpPr>
+      <p:sp>
+        <p:nvSpPr>
+          <p:cNvPr id="2" name="Título 1">
+            <a:extLst>
+              <a:ext uri="{FF2B5EF4-FFF2-40B4-BE49-F238E27FC236}">
+                <a16:creationId xmlns:a16="http://schemas.microsoft.com/office/drawing/2014/main" id="{CC498AF4-3F20-4B1B-8979-8328C6D3C490}"/>
+              </a:ext>
+            </a:extLst>
+          </p:cNvPr>
+          <p:cNvSpPr>
+            <a:spLocks noGrp="1"/>
+          </p:cNvSpPr>
+          <p:nvPr>
+            <p:ph type="title"/>
+          </p:nvPr>
+        </p:nvSpPr>
+        <p:spPr/>
+        <p:txBody>
+          <a:bodyPr/>
+          <a:lstStyle/>
+          <a:p>
+            <a:r>
+              <a:rPr lang="pt-BR" dirty="0"/>
+              <a:t>22-22-Abstraindo um Jogo de RPG Usando Orientação a Objetos com C#173227</a:t>
+            </a:r>
+          </a:p>
+        </p:txBody>
+      </p:sp>
+      <p:pic>
+        <p:nvPicPr>
+          <p:cNvPr id="5" name="Espaço Reservado para Conteúdo 4">
+            <a:extLst>
+              <a:ext uri="{FF2B5EF4-FFF2-40B4-BE49-F238E27FC236}">
+                <a16:creationId xmlns:a16="http://schemas.microsoft.com/office/drawing/2014/main" id="{E60B33D1-9DBE-4D7C-A0F7-2AD072220C0E}"/>
+              </a:ext>
+            </a:extLst>
+          </p:cNvPr>
+          <p:cNvPicPr>
+            <a:picLocks noGrp="1" noChangeAspect="1"/>
+          </p:cNvPicPr>
+          <p:nvPr>
+            <p:ph idx="1"/>
+          </p:nvPr>
+        </p:nvPicPr>
+        <p:blipFill>
+          <a:blip r:embed="rId2"/>
+          <a:stretch>
+            <a:fillRect/>
+          </a:stretch>
+        </p:blipFill>
+        <p:spPr>
+          <a:xfrm>
+            <a:off x="3822415" y="2016125"/>
+            <a:ext cx="4861495" cy="3449638"/>
+          </a:xfrm>
+        </p:spPr>
+      </p:pic>
+    </p:spTree>
+    <p:extLst>
+      <p:ext uri="{BB962C8B-B14F-4D97-AF65-F5344CB8AC3E}">
+        <p14:creationId xmlns:p14="http://schemas.microsoft.com/office/powerpoint/2010/main" val="2830785138"/>
+      </p:ext>
+    </p:extLst>
+  </p:cSld>
+  <p:clrMapOvr>
+    <a:masterClrMapping/>
+  </p:clrMapOvr>
+</p:sld>
+</file>
+
 <file path=ppt/slides/slide2.xml><?xml version="1.0" encoding="utf-8"?>
 <p:sld xmlns:a="http://schemas.openxmlformats.org/drawingml/2006/main" xmlns:r="http://schemas.openxmlformats.org/officeDocument/2006/relationships" xmlns:p="http://schemas.openxmlformats.org/presentationml/2006/main">
   <p:cSld>

--- a/Conquistas/Conquistas.pptx
+++ b/Conquistas/Conquistas.pptx
@@ -23,6 +23,10 @@
     <p:sldId id="271" r:id="rId17"/>
     <p:sldId id="272" r:id="rId18"/>
     <p:sldId id="273" r:id="rId19"/>
+    <p:sldId id="274" r:id="rId20"/>
+    <p:sldId id="275" r:id="rId21"/>
+    <p:sldId id="276" r:id="rId22"/>
+    <p:sldId id="277" r:id="rId23"/>
   </p:sldIdLst>
   <p:sldSz cx="12192000" cy="6858000"/>
   <p:notesSz cx="6858000" cy="9144000"/>
@@ -268,7 +272,7 @@
           <a:p>
             <a:fld id="{48A87A34-81AB-432B-8DAE-1953F412C126}" type="datetimeFigureOut">
               <a:rPr lang="en-US" dirty="0"/>
-              <a:t>1/21/2022</a:t>
+              <a:t>1/26/2022</a:t>
             </a:fld>
             <a:endParaRPr lang="en-US" dirty="0"/>
           </a:p>
@@ -474,7 +478,7 @@
           <a:p>
             <a:fld id="{48A87A34-81AB-432B-8DAE-1953F412C126}" type="datetimeFigureOut">
               <a:rPr lang="en-US" dirty="0"/>
-              <a:t>1/21/2022</a:t>
+              <a:t>1/26/2022</a:t>
             </a:fld>
             <a:endParaRPr lang="en-US" dirty="0"/>
           </a:p>
@@ -684,7 +688,7 @@
           <a:p>
             <a:fld id="{48A87A34-81AB-432B-8DAE-1953F412C126}" type="datetimeFigureOut">
               <a:rPr lang="en-US" dirty="0"/>
-              <a:t>1/21/2022</a:t>
+              <a:t>1/26/2022</a:t>
             </a:fld>
             <a:endParaRPr lang="en-US" dirty="0"/>
           </a:p>
@@ -880,7 +884,7 @@
           <a:p>
             <a:fld id="{48A87A34-81AB-432B-8DAE-1953F412C126}" type="datetimeFigureOut">
               <a:rPr lang="en-US" dirty="0"/>
-              <a:t>1/21/2022</a:t>
+              <a:t>1/26/2022</a:t>
             </a:fld>
             <a:endParaRPr lang="en-US" dirty="0"/>
           </a:p>
@@ -1154,7 +1158,7 @@
           <a:p>
             <a:fld id="{48A87A34-81AB-432B-8DAE-1953F412C126}" type="datetimeFigureOut">
               <a:rPr lang="en-US" dirty="0"/>
-              <a:t>1/21/2022</a:t>
+              <a:t>1/26/2022</a:t>
             </a:fld>
             <a:endParaRPr lang="en-US" dirty="0"/>
           </a:p>
@@ -1417,7 +1421,7 @@
           <a:p>
             <a:fld id="{48A87A34-81AB-432B-8DAE-1953F412C126}" type="datetimeFigureOut">
               <a:rPr lang="en-US" dirty="0"/>
-              <a:t>1/21/2022</a:t>
+              <a:t>1/26/2022</a:t>
             </a:fld>
             <a:endParaRPr lang="en-US" dirty="0"/>
           </a:p>
@@ -1828,7 +1832,7 @@
           <a:p>
             <a:fld id="{48A87A34-81AB-432B-8DAE-1953F412C126}" type="datetimeFigureOut">
               <a:rPr lang="en-US" dirty="0"/>
-              <a:t>1/21/2022</a:t>
+              <a:t>1/26/2022</a:t>
             </a:fld>
             <a:endParaRPr lang="en-US" dirty="0"/>
           </a:p>
@@ -1972,7 +1976,7 @@
           <a:p>
             <a:fld id="{48A87A34-81AB-432B-8DAE-1953F412C126}" type="datetimeFigureOut">
               <a:rPr lang="en-US" dirty="0"/>
-              <a:t>1/21/2022</a:t>
+              <a:t>1/26/2022</a:t>
             </a:fld>
             <a:endParaRPr lang="en-US" dirty="0"/>
           </a:p>
@@ -2093,7 +2097,7 @@
           <a:p>
             <a:fld id="{48A87A34-81AB-432B-8DAE-1953F412C126}" type="datetimeFigureOut">
               <a:rPr lang="en-US" dirty="0"/>
-              <a:t>1/21/2022</a:t>
+              <a:t>1/26/2022</a:t>
             </a:fld>
             <a:endParaRPr lang="en-US" dirty="0"/>
           </a:p>
@@ -2339,7 +2343,7 @@
           <a:p>
             <a:fld id="{48A87A34-81AB-432B-8DAE-1953F412C126}" type="datetimeFigureOut">
               <a:rPr lang="en-US" dirty="0"/>
-              <a:t>1/21/2022</a:t>
+              <a:t>1/26/2022</a:t>
             </a:fld>
             <a:endParaRPr lang="en-US" dirty="0"/>
           </a:p>
@@ -2780,7 +2784,7 @@
             <a:fld id="{48A87A34-81AB-432B-8DAE-1953F412C126}" type="datetimeFigureOut">
               <a:rPr lang="en-US" dirty="0"/>
               <a:pPr/>
-              <a:t>1/21/2022</a:t>
+              <a:t>1/26/2022</a:t>
             </a:fld>
             <a:endParaRPr lang="en-US" dirty="0"/>
           </a:p>
@@ -3103,7 +3107,7 @@
             <a:fld id="{48A87A34-81AB-432B-8DAE-1953F412C126}" type="datetimeFigureOut">
               <a:rPr lang="en-US" dirty="0"/>
               <a:pPr/>
-              <a:t>1/21/2022</a:t>
+              <a:t>1/26/2022</a:t>
             </a:fld>
             <a:endParaRPr lang="en-US" dirty="0"/>
           </a:p>
@@ -4137,7 +4141,7 @@
           <a:p>
             <a:r>
               <a:rPr lang="pt-BR" dirty="0"/>
-              <a:t>19-Primeiros passos para desenvolvimento web-26B3855D-100741</a:t>
+              <a:t>Primeiros passos para desenvolvimento web-26B3855D-100741</a:t>
             </a:r>
           </a:p>
         </p:txBody>
@@ -4224,7 +4228,7 @@
           <a:p>
             <a:r>
               <a:rPr lang="pt-BR" dirty="0"/>
-              <a:t>20-Trabalhando com Tipos de Referência e Valor em C#-ED0BB344</a:t>
+              <a:t>Trabalhando com Tipos de Referência e Valor em C#-ED0BB344</a:t>
             </a:r>
           </a:p>
         </p:txBody>
@@ -4311,7 +4315,7 @@
           <a:p>
             <a:r>
               <a:rPr lang="pt-BR" dirty="0"/>
-              <a:t>21-Controlando o Fluxo de Execução-100037</a:t>
+              <a:t>Controlando o Fluxo de Execução-100037</a:t>
             </a:r>
           </a:p>
         </p:txBody>
@@ -4398,7 +4402,7 @@
           <a:p>
             <a:r>
               <a:rPr lang="pt-BR" dirty="0"/>
-              <a:t>22-22-Abstraindo um Jogo de RPG Usando Orientação a Objetos com C#173227</a:t>
+              <a:t>Abstraindo um Jogo de RPG Usando Orientação a Objetos com C#173227</a:t>
             </a:r>
           </a:p>
         </p:txBody>
@@ -4436,6 +4440,93 @@
     <p:extLst>
       <p:ext uri="{BB962C8B-B14F-4D97-AF65-F5344CB8AC3E}">
         <p14:creationId xmlns:p14="http://schemas.microsoft.com/office/powerpoint/2010/main" val="2830785138"/>
+      </p:ext>
+    </p:extLst>
+  </p:cSld>
+  <p:clrMapOvr>
+    <a:masterClrMapping/>
+  </p:clrMapOvr>
+</p:sld>
+</file>
+
+<file path=ppt/slides/slide19.xml><?xml version="1.0" encoding="utf-8"?>
+<p:sld xmlns:a="http://schemas.openxmlformats.org/drawingml/2006/main" xmlns:r="http://schemas.openxmlformats.org/officeDocument/2006/relationships" xmlns:p="http://schemas.openxmlformats.org/presentationml/2006/main">
+  <p:cSld>
+    <p:spTree>
+      <p:nvGrpSpPr>
+        <p:cNvPr id="1" name=""/>
+        <p:cNvGrpSpPr/>
+        <p:nvPr/>
+      </p:nvGrpSpPr>
+      <p:grpSpPr>
+        <a:xfrm>
+          <a:off x="0" y="0"/>
+          <a:ext cx="0" cy="0"/>
+          <a:chOff x="0" y="0"/>
+          <a:chExt cx="0" cy="0"/>
+        </a:xfrm>
+      </p:grpSpPr>
+      <p:sp>
+        <p:nvSpPr>
+          <p:cNvPr id="2" name="Título 1">
+            <a:extLst>
+              <a:ext uri="{FF2B5EF4-FFF2-40B4-BE49-F238E27FC236}">
+                <a16:creationId xmlns:a16="http://schemas.microsoft.com/office/drawing/2014/main" id="{19CF92F3-737D-4BA6-839B-18E8657252BB}"/>
+              </a:ext>
+            </a:extLst>
+          </p:cNvPr>
+          <p:cNvSpPr>
+            <a:spLocks noGrp="1"/>
+          </p:cNvSpPr>
+          <p:nvPr>
+            <p:ph type="title"/>
+          </p:nvPr>
+        </p:nvSpPr>
+        <p:spPr/>
+        <p:txBody>
+          <a:bodyPr/>
+          <a:lstStyle/>
+          <a:p>
+            <a:r>
+              <a:rPr lang="pt-BR" dirty="0"/>
+              <a:t>Introdução ao HTTP e HTTPS</a:t>
+            </a:r>
+          </a:p>
+        </p:txBody>
+      </p:sp>
+      <p:pic>
+        <p:nvPicPr>
+          <p:cNvPr id="5" name="Espaço Reservado para Conteúdo 4">
+            <a:extLst>
+              <a:ext uri="{FF2B5EF4-FFF2-40B4-BE49-F238E27FC236}">
+                <a16:creationId xmlns:a16="http://schemas.microsoft.com/office/drawing/2014/main" id="{9069AEAB-B110-47E5-97F6-E9B833362B87}"/>
+              </a:ext>
+            </a:extLst>
+          </p:cNvPr>
+          <p:cNvPicPr>
+            <a:picLocks noGrp="1" noChangeAspect="1"/>
+          </p:cNvPicPr>
+          <p:nvPr>
+            <p:ph idx="1"/>
+          </p:nvPr>
+        </p:nvPicPr>
+        <p:blipFill>
+          <a:blip r:embed="rId2"/>
+          <a:stretch>
+            <a:fillRect/>
+          </a:stretch>
+        </p:blipFill>
+        <p:spPr>
+          <a:xfrm>
+            <a:off x="3819094" y="2016125"/>
+            <a:ext cx="4868136" cy="3449638"/>
+          </a:xfrm>
+        </p:spPr>
+      </p:pic>
+    </p:spTree>
+    <p:extLst>
+      <p:ext uri="{BB962C8B-B14F-4D97-AF65-F5344CB8AC3E}">
+        <p14:creationId xmlns:p14="http://schemas.microsoft.com/office/powerpoint/2010/main" val="826427502"/>
       </p:ext>
     </p:extLst>
   </p:cSld>
@@ -4528,6 +4619,285 @@
     <p:extLst>
       <p:ext uri="{BB962C8B-B14F-4D97-AF65-F5344CB8AC3E}">
         <p14:creationId xmlns:p14="http://schemas.microsoft.com/office/powerpoint/2010/main" val="565857524"/>
+      </p:ext>
+    </p:extLst>
+  </p:cSld>
+  <p:clrMapOvr>
+    <a:masterClrMapping/>
+  </p:clrMapOvr>
+</p:sld>
+</file>
+
+<file path=ppt/slides/slide20.xml><?xml version="1.0" encoding="utf-8"?>
+<p:sld xmlns:a="http://schemas.openxmlformats.org/drawingml/2006/main" xmlns:r="http://schemas.openxmlformats.org/officeDocument/2006/relationships" xmlns:p="http://schemas.openxmlformats.org/presentationml/2006/main">
+  <p:cSld>
+    <p:spTree>
+      <p:nvGrpSpPr>
+        <p:cNvPr id="1" name=""/>
+        <p:cNvGrpSpPr/>
+        <p:nvPr/>
+      </p:nvGrpSpPr>
+      <p:grpSpPr>
+        <a:xfrm>
+          <a:off x="0" y="0"/>
+          <a:ext cx="0" cy="0"/>
+          <a:chOff x="0" y="0"/>
+          <a:chExt cx="0" cy="0"/>
+        </a:xfrm>
+      </p:grpSpPr>
+      <p:sp>
+        <p:nvSpPr>
+          <p:cNvPr id="2" name="Título 1">
+            <a:extLst>
+              <a:ext uri="{FF2B5EF4-FFF2-40B4-BE49-F238E27FC236}">
+                <a16:creationId xmlns:a16="http://schemas.microsoft.com/office/drawing/2014/main" id="{19B68446-95A1-4516-941E-85075B3AEB66}"/>
+              </a:ext>
+            </a:extLst>
+          </p:cNvPr>
+          <p:cNvSpPr>
+            <a:spLocks noGrp="1"/>
+          </p:cNvSpPr>
+          <p:nvPr>
+            <p:ph type="title"/>
+          </p:nvPr>
+        </p:nvSpPr>
+        <p:spPr/>
+        <p:txBody>
+          <a:bodyPr/>
+          <a:lstStyle/>
+          <a:p>
+            <a:r>
+              <a:rPr lang="pt-BR" dirty="0"/>
+              <a:t>Trabalhando com Arquivos e </a:t>
+            </a:r>
+            <a:r>
+              <a:rPr lang="pt-BR" dirty="0" err="1"/>
+              <a:t>Streams</a:t>
+            </a:r>
+            <a:r>
+              <a:rPr lang="pt-BR" dirty="0"/>
+              <a:t> em C#</a:t>
+            </a:r>
+          </a:p>
+        </p:txBody>
+      </p:sp>
+      <p:pic>
+        <p:nvPicPr>
+          <p:cNvPr id="5" name="Espaço Reservado para Conteúdo 4">
+            <a:extLst>
+              <a:ext uri="{FF2B5EF4-FFF2-40B4-BE49-F238E27FC236}">
+                <a16:creationId xmlns:a16="http://schemas.microsoft.com/office/drawing/2014/main" id="{49AC9D9E-72EA-44FF-AE68-EC4FBCD8735D}"/>
+              </a:ext>
+            </a:extLst>
+          </p:cNvPr>
+          <p:cNvPicPr>
+            <a:picLocks noGrp="1" noChangeAspect="1"/>
+          </p:cNvPicPr>
+          <p:nvPr>
+            <p:ph idx="1"/>
+          </p:nvPr>
+        </p:nvPicPr>
+        <p:blipFill>
+          <a:blip r:embed="rId2"/>
+          <a:stretch>
+            <a:fillRect/>
+          </a:stretch>
+        </p:blipFill>
+        <p:spPr>
+          <a:xfrm>
+            <a:off x="3816738" y="2016125"/>
+            <a:ext cx="4872849" cy="3449638"/>
+          </a:xfrm>
+        </p:spPr>
+      </p:pic>
+    </p:spTree>
+    <p:extLst>
+      <p:ext uri="{BB962C8B-B14F-4D97-AF65-F5344CB8AC3E}">
+        <p14:creationId xmlns:p14="http://schemas.microsoft.com/office/powerpoint/2010/main" val="1588564993"/>
+      </p:ext>
+    </p:extLst>
+  </p:cSld>
+  <p:clrMapOvr>
+    <a:masterClrMapping/>
+  </p:clrMapOvr>
+</p:sld>
+</file>
+
+<file path=ppt/slides/slide21.xml><?xml version="1.0" encoding="utf-8"?>
+<p:sld xmlns:a="http://schemas.openxmlformats.org/drawingml/2006/main" xmlns:r="http://schemas.openxmlformats.org/officeDocument/2006/relationships" xmlns:p="http://schemas.openxmlformats.org/presentationml/2006/main">
+  <p:cSld>
+    <p:spTree>
+      <p:nvGrpSpPr>
+        <p:cNvPr id="1" name=""/>
+        <p:cNvGrpSpPr/>
+        <p:nvPr/>
+      </p:nvGrpSpPr>
+      <p:grpSpPr>
+        <a:xfrm>
+          <a:off x="0" y="0"/>
+          <a:ext cx="0" cy="0"/>
+          <a:chOff x="0" y="0"/>
+          <a:chExt cx="0" cy="0"/>
+        </a:xfrm>
+      </p:grpSpPr>
+      <p:sp>
+        <p:nvSpPr>
+          <p:cNvPr id="2" name="Título 1">
+            <a:extLst>
+              <a:ext uri="{FF2B5EF4-FFF2-40B4-BE49-F238E27FC236}">
+                <a16:creationId xmlns:a16="http://schemas.microsoft.com/office/drawing/2014/main" id="{3119C285-6BE8-4CFE-B847-090F9D2D82AB}"/>
+              </a:ext>
+            </a:extLst>
+          </p:cNvPr>
+          <p:cNvSpPr>
+            <a:spLocks noGrp="1"/>
+          </p:cNvSpPr>
+          <p:nvPr>
+            <p:ph type="title"/>
+          </p:nvPr>
+        </p:nvSpPr>
+        <p:spPr>
+          <a:xfrm>
+            <a:off x="1359243" y="790833"/>
+            <a:ext cx="9695611" cy="1062922"/>
+          </a:xfrm>
+        </p:spPr>
+        <p:txBody>
+          <a:bodyPr/>
+          <a:lstStyle/>
+          <a:p>
+            <a:r>
+              <a:rPr lang="pt-BR" dirty="0"/>
+              <a:t>Fundamentos de Coleções e LINQ com .NET</a:t>
+            </a:r>
+          </a:p>
+        </p:txBody>
+      </p:sp>
+      <p:pic>
+        <p:nvPicPr>
+          <p:cNvPr id="5" name="Espaço Reservado para Conteúdo 4">
+            <a:extLst>
+              <a:ext uri="{FF2B5EF4-FFF2-40B4-BE49-F238E27FC236}">
+                <a16:creationId xmlns:a16="http://schemas.microsoft.com/office/drawing/2014/main" id="{D7F3BCB9-E992-4375-955B-342791BFDA30}"/>
+              </a:ext>
+            </a:extLst>
+          </p:cNvPr>
+          <p:cNvPicPr>
+            <a:picLocks noGrp="1" noChangeAspect="1"/>
+          </p:cNvPicPr>
+          <p:nvPr>
+            <p:ph idx="1"/>
+          </p:nvPr>
+        </p:nvPicPr>
+        <p:blipFill>
+          <a:blip r:embed="rId2"/>
+          <a:stretch>
+            <a:fillRect/>
+          </a:stretch>
+        </p:blipFill>
+        <p:spPr>
+          <a:xfrm>
+            <a:off x="3823807" y="2016125"/>
+            <a:ext cx="4858711" cy="3449638"/>
+          </a:xfrm>
+        </p:spPr>
+      </p:pic>
+    </p:spTree>
+    <p:extLst>
+      <p:ext uri="{BB962C8B-B14F-4D97-AF65-F5344CB8AC3E}">
+        <p14:creationId xmlns:p14="http://schemas.microsoft.com/office/powerpoint/2010/main" val="818106580"/>
+      </p:ext>
+    </p:extLst>
+  </p:cSld>
+  <p:clrMapOvr>
+    <a:masterClrMapping/>
+  </p:clrMapOvr>
+</p:sld>
+</file>
+
+<file path=ppt/slides/slide22.xml><?xml version="1.0" encoding="utf-8"?>
+<p:sld xmlns:a="http://schemas.openxmlformats.org/drawingml/2006/main" xmlns:r="http://schemas.openxmlformats.org/officeDocument/2006/relationships" xmlns:p="http://schemas.openxmlformats.org/presentationml/2006/main">
+  <p:cSld>
+    <p:spTree>
+      <p:nvGrpSpPr>
+        <p:cNvPr id="1" name=""/>
+        <p:cNvGrpSpPr/>
+        <p:nvPr/>
+      </p:nvGrpSpPr>
+      <p:grpSpPr>
+        <a:xfrm>
+          <a:off x="0" y="0"/>
+          <a:ext cx="0" cy="0"/>
+          <a:chOff x="0" y="0"/>
+          <a:chExt cx="0" cy="0"/>
+        </a:xfrm>
+      </p:grpSpPr>
+      <p:sp>
+        <p:nvSpPr>
+          <p:cNvPr id="2" name="Título 1">
+            <a:extLst>
+              <a:ext uri="{FF2B5EF4-FFF2-40B4-BE49-F238E27FC236}">
+                <a16:creationId xmlns:a16="http://schemas.microsoft.com/office/drawing/2014/main" id="{AF0E0C25-2668-49D6-B820-7DA5033F58D0}"/>
+              </a:ext>
+            </a:extLst>
+          </p:cNvPr>
+          <p:cNvSpPr>
+            <a:spLocks noGrp="1"/>
+          </p:cNvSpPr>
+          <p:nvPr>
+            <p:ph type="title"/>
+          </p:nvPr>
+        </p:nvSpPr>
+        <p:spPr/>
+        <p:txBody>
+          <a:bodyPr/>
+          <a:lstStyle/>
+          <a:p>
+            <a:r>
+              <a:rPr lang="pt-BR" dirty="0"/>
+              <a:t>Tratamento de Erro em C# com </a:t>
+            </a:r>
+            <a:r>
+              <a:rPr lang="pt-BR" dirty="0" err="1"/>
+              <a:t>Exceptions</a:t>
+            </a:r>
+            <a:endParaRPr lang="pt-BR" dirty="0"/>
+          </a:p>
+        </p:txBody>
+      </p:sp>
+      <p:pic>
+        <p:nvPicPr>
+          <p:cNvPr id="5" name="Espaço Reservado para Conteúdo 4">
+            <a:extLst>
+              <a:ext uri="{FF2B5EF4-FFF2-40B4-BE49-F238E27FC236}">
+                <a16:creationId xmlns:a16="http://schemas.microsoft.com/office/drawing/2014/main" id="{671E9992-823C-4F4D-84AE-CF3E52B16881}"/>
+              </a:ext>
+            </a:extLst>
+          </p:cNvPr>
+          <p:cNvPicPr>
+            <a:picLocks noGrp="1" noChangeAspect="1"/>
+          </p:cNvPicPr>
+          <p:nvPr>
+            <p:ph idx="1"/>
+          </p:nvPr>
+        </p:nvPicPr>
+        <p:blipFill>
+          <a:blip r:embed="rId2"/>
+          <a:stretch>
+            <a:fillRect/>
+          </a:stretch>
+        </p:blipFill>
+        <p:spPr>
+          <a:xfrm>
+            <a:off x="3821450" y="2016125"/>
+            <a:ext cx="4863424" cy="3449638"/>
+          </a:xfrm>
+        </p:spPr>
+      </p:pic>
+    </p:spTree>
+    <p:extLst>
+      <p:ext uri="{BB962C8B-B14F-4D97-AF65-F5344CB8AC3E}">
+        <p14:creationId xmlns:p14="http://schemas.microsoft.com/office/powerpoint/2010/main" val="3980206009"/>
       </p:ext>
     </p:extLst>
   </p:cSld>

--- a/Conquistas/Conquistas.pptx
+++ b/Conquistas/Conquistas.pptx
@@ -27,6 +27,9 @@
     <p:sldId id="275" r:id="rId21"/>
     <p:sldId id="276" r:id="rId22"/>
     <p:sldId id="277" r:id="rId23"/>
+    <p:sldId id="278" r:id="rId24"/>
+    <p:sldId id="279" r:id="rId25"/>
+    <p:sldId id="280" r:id="rId26"/>
   </p:sldIdLst>
   <p:sldSz cx="12192000" cy="6858000"/>
   <p:notesSz cx="6858000" cy="9144000"/>
@@ -272,7 +275,7 @@
           <a:p>
             <a:fld id="{48A87A34-81AB-432B-8DAE-1953F412C126}" type="datetimeFigureOut">
               <a:rPr lang="en-US" dirty="0"/>
-              <a:t>1/26/2022</a:t>
+              <a:t>1/28/2022</a:t>
             </a:fld>
             <a:endParaRPr lang="en-US" dirty="0"/>
           </a:p>
@@ -478,7 +481,7 @@
           <a:p>
             <a:fld id="{48A87A34-81AB-432B-8DAE-1953F412C126}" type="datetimeFigureOut">
               <a:rPr lang="en-US" dirty="0"/>
-              <a:t>1/26/2022</a:t>
+              <a:t>1/28/2022</a:t>
             </a:fld>
             <a:endParaRPr lang="en-US" dirty="0"/>
           </a:p>
@@ -688,7 +691,7 @@
           <a:p>
             <a:fld id="{48A87A34-81AB-432B-8DAE-1953F412C126}" type="datetimeFigureOut">
               <a:rPr lang="en-US" dirty="0"/>
-              <a:t>1/26/2022</a:t>
+              <a:t>1/28/2022</a:t>
             </a:fld>
             <a:endParaRPr lang="en-US" dirty="0"/>
           </a:p>
@@ -884,7 +887,7 @@
           <a:p>
             <a:fld id="{48A87A34-81AB-432B-8DAE-1953F412C126}" type="datetimeFigureOut">
               <a:rPr lang="en-US" dirty="0"/>
-              <a:t>1/26/2022</a:t>
+              <a:t>1/28/2022</a:t>
             </a:fld>
             <a:endParaRPr lang="en-US" dirty="0"/>
           </a:p>
@@ -1158,7 +1161,7 @@
           <a:p>
             <a:fld id="{48A87A34-81AB-432B-8DAE-1953F412C126}" type="datetimeFigureOut">
               <a:rPr lang="en-US" dirty="0"/>
-              <a:t>1/26/2022</a:t>
+              <a:t>1/28/2022</a:t>
             </a:fld>
             <a:endParaRPr lang="en-US" dirty="0"/>
           </a:p>
@@ -1421,7 +1424,7 @@
           <a:p>
             <a:fld id="{48A87A34-81AB-432B-8DAE-1953F412C126}" type="datetimeFigureOut">
               <a:rPr lang="en-US" dirty="0"/>
-              <a:t>1/26/2022</a:t>
+              <a:t>1/28/2022</a:t>
             </a:fld>
             <a:endParaRPr lang="en-US" dirty="0"/>
           </a:p>
@@ -1832,7 +1835,7 @@
           <a:p>
             <a:fld id="{48A87A34-81AB-432B-8DAE-1953F412C126}" type="datetimeFigureOut">
               <a:rPr lang="en-US" dirty="0"/>
-              <a:t>1/26/2022</a:t>
+              <a:t>1/28/2022</a:t>
             </a:fld>
             <a:endParaRPr lang="en-US" dirty="0"/>
           </a:p>
@@ -1976,7 +1979,7 @@
           <a:p>
             <a:fld id="{48A87A34-81AB-432B-8DAE-1953F412C126}" type="datetimeFigureOut">
               <a:rPr lang="en-US" dirty="0"/>
-              <a:t>1/26/2022</a:t>
+              <a:t>1/28/2022</a:t>
             </a:fld>
             <a:endParaRPr lang="en-US" dirty="0"/>
           </a:p>
@@ -2097,7 +2100,7 @@
           <a:p>
             <a:fld id="{48A87A34-81AB-432B-8DAE-1953F412C126}" type="datetimeFigureOut">
               <a:rPr lang="en-US" dirty="0"/>
-              <a:t>1/26/2022</a:t>
+              <a:t>1/28/2022</a:t>
             </a:fld>
             <a:endParaRPr lang="en-US" dirty="0"/>
           </a:p>
@@ -2343,7 +2346,7 @@
           <a:p>
             <a:fld id="{48A87A34-81AB-432B-8DAE-1953F412C126}" type="datetimeFigureOut">
               <a:rPr lang="en-US" dirty="0"/>
-              <a:t>1/26/2022</a:t>
+              <a:t>1/28/2022</a:t>
             </a:fld>
             <a:endParaRPr lang="en-US" dirty="0"/>
           </a:p>
@@ -2784,7 +2787,7 @@
             <a:fld id="{48A87A34-81AB-432B-8DAE-1953F412C126}" type="datetimeFigureOut">
               <a:rPr lang="en-US" dirty="0"/>
               <a:pPr/>
-              <a:t>1/26/2022</a:t>
+              <a:t>1/28/2022</a:t>
             </a:fld>
             <a:endParaRPr lang="en-US" dirty="0"/>
           </a:p>
@@ -3107,7 +3110,7 @@
             <a:fld id="{48A87A34-81AB-432B-8DAE-1953F412C126}" type="datetimeFigureOut">
               <a:rPr lang="en-US" dirty="0"/>
               <a:pPr/>
-              <a:t>1/26/2022</a:t>
+              <a:t>1/28/2022</a:t>
             </a:fld>
             <a:endParaRPr lang="en-US" dirty="0"/>
           </a:p>
@@ -4907,6 +4910,283 @@
 </p:sld>
 </file>
 
+<file path=ppt/slides/slide23.xml><?xml version="1.0" encoding="utf-8"?>
+<p:sld xmlns:a="http://schemas.openxmlformats.org/drawingml/2006/main" xmlns:r="http://schemas.openxmlformats.org/officeDocument/2006/relationships" xmlns:p="http://schemas.openxmlformats.org/presentationml/2006/main">
+  <p:cSld>
+    <p:spTree>
+      <p:nvGrpSpPr>
+        <p:cNvPr id="1" name=""/>
+        <p:cNvGrpSpPr/>
+        <p:nvPr/>
+      </p:nvGrpSpPr>
+      <p:grpSpPr>
+        <a:xfrm>
+          <a:off x="0" y="0"/>
+          <a:ext cx="0" cy="0"/>
+          <a:chOff x="0" y="0"/>
+          <a:chExt cx="0" cy="0"/>
+        </a:xfrm>
+      </p:grpSpPr>
+      <p:sp>
+        <p:nvSpPr>
+          <p:cNvPr id="2" name="Título 1">
+            <a:extLst>
+              <a:ext uri="{FF2B5EF4-FFF2-40B4-BE49-F238E27FC236}">
+                <a16:creationId xmlns:a16="http://schemas.microsoft.com/office/drawing/2014/main" id="{442E3CF8-6936-4025-A754-3E57B01FB7BA}"/>
+              </a:ext>
+            </a:extLst>
+          </p:cNvPr>
+          <p:cNvSpPr>
+            <a:spLocks noGrp="1"/>
+          </p:cNvSpPr>
+          <p:nvPr>
+            <p:ph type="title"/>
+          </p:nvPr>
+        </p:nvSpPr>
+        <p:spPr/>
+        <p:txBody>
+          <a:bodyPr/>
+          <a:lstStyle/>
+          <a:p>
+            <a:r>
+              <a:rPr lang="pt-BR" dirty="0"/>
+              <a:t>Desenvolvimento de </a:t>
+            </a:r>
+            <a:r>
+              <a:rPr lang="pt-BR" dirty="0" err="1"/>
+              <a:t>aplicaçoes</a:t>
+            </a:r>
+            <a:r>
+              <a:rPr lang="pt-BR" dirty="0"/>
+              <a:t> com .NET</a:t>
+            </a:r>
+          </a:p>
+        </p:txBody>
+      </p:sp>
+      <p:pic>
+        <p:nvPicPr>
+          <p:cNvPr id="5" name="Espaço Reservado para Conteúdo 4">
+            <a:extLst>
+              <a:ext uri="{FF2B5EF4-FFF2-40B4-BE49-F238E27FC236}">
+                <a16:creationId xmlns:a16="http://schemas.microsoft.com/office/drawing/2014/main" id="{87AC89EA-703B-4DC3-BBBD-8938166DA549}"/>
+              </a:ext>
+            </a:extLst>
+          </p:cNvPr>
+          <p:cNvPicPr>
+            <a:picLocks noGrp="1" noChangeAspect="1"/>
+          </p:cNvPicPr>
+          <p:nvPr>
+            <p:ph idx="1"/>
+          </p:nvPr>
+        </p:nvPicPr>
+        <p:blipFill>
+          <a:blip r:embed="rId2"/>
+          <a:stretch>
+            <a:fillRect/>
+          </a:stretch>
+        </p:blipFill>
+        <p:spPr>
+          <a:xfrm>
+            <a:off x="3829474" y="2016125"/>
+            <a:ext cx="4847376" cy="3449638"/>
+          </a:xfrm>
+        </p:spPr>
+      </p:pic>
+    </p:spTree>
+    <p:extLst>
+      <p:ext uri="{BB962C8B-B14F-4D97-AF65-F5344CB8AC3E}">
+        <p14:creationId xmlns:p14="http://schemas.microsoft.com/office/powerpoint/2010/main" val="668899009"/>
+      </p:ext>
+    </p:extLst>
+  </p:cSld>
+  <p:clrMapOvr>
+    <a:masterClrMapping/>
+  </p:clrMapOvr>
+</p:sld>
+</file>
+
+<file path=ppt/slides/slide24.xml><?xml version="1.0" encoding="utf-8"?>
+<p:sld xmlns:a="http://schemas.openxmlformats.org/drawingml/2006/main" xmlns:r="http://schemas.openxmlformats.org/officeDocument/2006/relationships" xmlns:p="http://schemas.openxmlformats.org/presentationml/2006/main">
+  <p:cSld>
+    <p:spTree>
+      <p:nvGrpSpPr>
+        <p:cNvPr id="1" name=""/>
+        <p:cNvGrpSpPr/>
+        <p:nvPr/>
+      </p:nvGrpSpPr>
+      <p:grpSpPr>
+        <a:xfrm>
+          <a:off x="0" y="0"/>
+          <a:ext cx="0" cy="0"/>
+          <a:chOff x="0" y="0"/>
+          <a:chExt cx="0" cy="0"/>
+        </a:xfrm>
+      </p:grpSpPr>
+      <p:sp>
+        <p:nvSpPr>
+          <p:cNvPr id="2" name="Título 1">
+            <a:extLst>
+              <a:ext uri="{FF2B5EF4-FFF2-40B4-BE49-F238E27FC236}">
+                <a16:creationId xmlns:a16="http://schemas.microsoft.com/office/drawing/2014/main" id="{4C1447E8-07CD-45E0-901C-2DD808DD5B18}"/>
+              </a:ext>
+            </a:extLst>
+          </p:cNvPr>
+          <p:cNvSpPr>
+            <a:spLocks noGrp="1"/>
+          </p:cNvSpPr>
+          <p:nvPr>
+            <p:ph type="title"/>
+          </p:nvPr>
+        </p:nvSpPr>
+        <p:spPr/>
+        <p:txBody>
+          <a:bodyPr/>
+          <a:lstStyle/>
+          <a:p>
+            <a:r>
+              <a:rPr lang="pt-BR" dirty="0"/>
+              <a:t>Configuração da arquitetura </a:t>
+            </a:r>
+            <a:r>
+              <a:rPr lang="pt-BR" dirty="0" err="1"/>
+              <a:t>back-end</a:t>
+            </a:r>
+            <a:r>
+              <a:rPr lang="pt-BR" dirty="0"/>
+              <a:t> com .NET Core</a:t>
+            </a:r>
+          </a:p>
+        </p:txBody>
+      </p:sp>
+      <p:pic>
+        <p:nvPicPr>
+          <p:cNvPr id="5" name="Espaço Reservado para Conteúdo 4">
+            <a:extLst>
+              <a:ext uri="{FF2B5EF4-FFF2-40B4-BE49-F238E27FC236}">
+                <a16:creationId xmlns:a16="http://schemas.microsoft.com/office/drawing/2014/main" id="{745EF060-710C-488D-BB1D-F3F0E465757F}"/>
+              </a:ext>
+            </a:extLst>
+          </p:cNvPr>
+          <p:cNvPicPr>
+            <a:picLocks noGrp="1" noChangeAspect="1"/>
+          </p:cNvPicPr>
+          <p:nvPr>
+            <p:ph idx="1"/>
+          </p:nvPr>
+        </p:nvPicPr>
+        <p:blipFill>
+          <a:blip r:embed="rId2"/>
+          <a:stretch>
+            <a:fillRect/>
+          </a:stretch>
+        </p:blipFill>
+        <p:spPr>
+          <a:xfrm>
+            <a:off x="3823807" y="2016125"/>
+            <a:ext cx="4858711" cy="3449638"/>
+          </a:xfrm>
+        </p:spPr>
+      </p:pic>
+    </p:spTree>
+    <p:extLst>
+      <p:ext uri="{BB962C8B-B14F-4D97-AF65-F5344CB8AC3E}">
+        <p14:creationId xmlns:p14="http://schemas.microsoft.com/office/powerpoint/2010/main" val="1674582144"/>
+      </p:ext>
+    </p:extLst>
+  </p:cSld>
+  <p:clrMapOvr>
+    <a:masterClrMapping/>
+  </p:clrMapOvr>
+</p:sld>
+</file>
+
+<file path=ppt/slides/slide25.xml><?xml version="1.0" encoding="utf-8"?>
+<p:sld xmlns:a="http://schemas.openxmlformats.org/drawingml/2006/main" xmlns:r="http://schemas.openxmlformats.org/officeDocument/2006/relationships" xmlns:p="http://schemas.openxmlformats.org/presentationml/2006/main">
+  <p:cSld>
+    <p:spTree>
+      <p:nvGrpSpPr>
+        <p:cNvPr id="1" name=""/>
+        <p:cNvGrpSpPr/>
+        <p:nvPr/>
+      </p:nvGrpSpPr>
+      <p:grpSpPr>
+        <a:xfrm>
+          <a:off x="0" y="0"/>
+          <a:ext cx="0" cy="0"/>
+          <a:chOff x="0" y="0"/>
+          <a:chExt cx="0" cy="0"/>
+        </a:xfrm>
+      </p:grpSpPr>
+      <p:sp>
+        <p:nvSpPr>
+          <p:cNvPr id="2" name="Título 1">
+            <a:extLst>
+              <a:ext uri="{FF2B5EF4-FFF2-40B4-BE49-F238E27FC236}">
+                <a16:creationId xmlns:a16="http://schemas.microsoft.com/office/drawing/2014/main" id="{F896D401-0CA5-441B-96C2-6A1904E6EA4B}"/>
+              </a:ext>
+            </a:extLst>
+          </p:cNvPr>
+          <p:cNvSpPr>
+            <a:spLocks noGrp="1"/>
+          </p:cNvSpPr>
+          <p:nvPr>
+            <p:ph type="title"/>
+          </p:nvPr>
+        </p:nvSpPr>
+        <p:spPr/>
+        <p:txBody>
+          <a:bodyPr/>
+          <a:lstStyle/>
+          <a:p>
+            <a:r>
+              <a:rPr lang="pt-BR" dirty="0"/>
+              <a:t>Criando um APP simples de cadastro de séries em .NET</a:t>
+            </a:r>
+          </a:p>
+        </p:txBody>
+      </p:sp>
+      <p:pic>
+        <p:nvPicPr>
+          <p:cNvPr id="5" name="Espaço Reservado para Conteúdo 4">
+            <a:extLst>
+              <a:ext uri="{FF2B5EF4-FFF2-40B4-BE49-F238E27FC236}">
+                <a16:creationId xmlns:a16="http://schemas.microsoft.com/office/drawing/2014/main" id="{5BAB7076-BAAC-43FC-A481-2A297BD62609}"/>
+              </a:ext>
+            </a:extLst>
+          </p:cNvPr>
+          <p:cNvPicPr>
+            <a:picLocks noGrp="1" noChangeAspect="1"/>
+          </p:cNvPicPr>
+          <p:nvPr>
+            <p:ph idx="1"/>
+          </p:nvPr>
+        </p:nvPicPr>
+        <p:blipFill>
+          <a:blip r:embed="rId2"/>
+          <a:stretch>
+            <a:fillRect/>
+          </a:stretch>
+        </p:blipFill>
+        <p:spPr>
+          <a:xfrm>
+            <a:off x="3818124" y="2016125"/>
+            <a:ext cx="4870077" cy="3449638"/>
+          </a:xfrm>
+        </p:spPr>
+      </p:pic>
+    </p:spTree>
+    <p:extLst>
+      <p:ext uri="{BB962C8B-B14F-4D97-AF65-F5344CB8AC3E}">
+        <p14:creationId xmlns:p14="http://schemas.microsoft.com/office/powerpoint/2010/main" val="945825983"/>
+      </p:ext>
+    </p:extLst>
+  </p:cSld>
+  <p:clrMapOvr>
+    <a:masterClrMapping/>
+  </p:clrMapOvr>
+</p:sld>
+</file>
+
 <file path=ppt/slides/slide3.xml><?xml version="1.0" encoding="utf-8"?>
 <p:sld xmlns:a="http://schemas.openxmlformats.org/drawingml/2006/main" xmlns:r="http://schemas.openxmlformats.org/officeDocument/2006/relationships" xmlns:p="http://schemas.openxmlformats.org/presentationml/2006/main">
   <p:cSld>
